--- a/docs/presentation-2.pptx
+++ b/docs/presentation-2.pptx
@@ -9,10 +9,14 @@
     <p:sldId id="257" r:id="rId3"/>
     <p:sldId id="258" r:id="rId4"/>
     <p:sldId id="259" r:id="rId5"/>
-    <p:sldId id="263" r:id="rId6"/>
-    <p:sldId id="260" r:id="rId7"/>
-    <p:sldId id="261" r:id="rId8"/>
-    <p:sldId id="262" r:id="rId9"/>
+    <p:sldId id="260" r:id="rId6"/>
+    <p:sldId id="261" r:id="rId7"/>
+    <p:sldId id="262" r:id="rId8"/>
+    <p:sldId id="267" r:id="rId9"/>
+    <p:sldId id="266" r:id="rId10"/>
+    <p:sldId id="268" r:id="rId11"/>
+    <p:sldId id="263" r:id="rId12"/>
+    <p:sldId id="265" r:id="rId13"/>
   </p:sldIdLst>
   <p:sldSz cx="9144000" cy="6858000" type="screen4x3"/>
   <p:notesSz cx="6858000" cy="9144000"/>
@@ -583,7 +587,7 @@
             <a:fld id="{7D0065BE-0657-4A47-90AD-C21C55E16B19}" type="datetime4">
               <a:rPr lang="en-US" smtClean="0"/>
               <a:pPr/>
-              <a:t>February 15, 2012</a:t>
+              <a:t>February 16, 2012</a:t>
             </a:fld>
             <a:endParaRPr lang="en-US"/>
           </a:p>
@@ -750,7 +754,7 @@
             <a:fld id="{A16C3AA4-67BE-44F7-809A-3582401494AF}" type="datetime4">
               <a:rPr lang="en-US" smtClean="0"/>
               <a:pPr/>
-              <a:t>February 15, 2012</a:t>
+              <a:t>February 16, 2012</a:t>
             </a:fld>
             <a:endParaRPr lang="en-US"/>
           </a:p>
@@ -927,7 +931,7 @@
             <a:fld id="{25172EEB-1769-4776-AD69-E7C1260563EB}" type="datetime4">
               <a:rPr lang="en-US" smtClean="0"/>
               <a:pPr/>
-              <a:t>February 15, 2012</a:t>
+              <a:t>February 16, 2012</a:t>
             </a:fld>
             <a:endParaRPr lang="en-US"/>
           </a:p>
@@ -1094,7 +1098,7 @@
             <a:fld id="{D47BB8AF-C16A-4836-A92D-61834B5F0BA5}" type="datetime4">
               <a:rPr lang="en-US" smtClean="0"/>
               <a:pPr/>
-              <a:t>February 15, 2012</a:t>
+              <a:t>February 16, 2012</a:t>
             </a:fld>
             <a:endParaRPr lang="en-US"/>
           </a:p>
@@ -1649,7 +1653,7 @@
             <a:fld id="{647D2193-4505-4A75-99BB-880C6989A757}" type="datetime4">
               <a:rPr lang="en-US" smtClean="0"/>
               <a:pPr/>
-              <a:t>February 15, 2012</a:t>
+              <a:t>February 16, 2012</a:t>
             </a:fld>
             <a:endParaRPr lang="en-US"/>
           </a:p>
@@ -1911,7 +1915,7 @@
             <a:fld id="{113A18F4-33C3-445B-924C-31108C51719C}" type="datetime4">
               <a:rPr lang="en-US" smtClean="0"/>
               <a:pPr/>
-              <a:t>February 15, 2012</a:t>
+              <a:t>February 16, 2012</a:t>
             </a:fld>
             <a:endParaRPr lang="en-US"/>
           </a:p>
@@ -2401,7 +2405,7 @@
             <a:fld id="{3AF7543A-E259-478F-9E0D-57BA40E442B7}" type="datetime4">
               <a:rPr lang="en-US" smtClean="0"/>
               <a:pPr/>
-              <a:t>February 15, 2012</a:t>
+              <a:t>February 16, 2012</a:t>
             </a:fld>
             <a:endParaRPr lang="en-US"/>
           </a:p>
@@ -2516,7 +2520,7 @@
             <a:fld id="{1EFB012D-77A1-44B0-BB26-329BA1EE55C9}" type="datetime4">
               <a:rPr lang="en-US" smtClean="0"/>
               <a:pPr/>
-              <a:t>February 15, 2012</a:t>
+              <a:t>February 16, 2012</a:t>
             </a:fld>
             <a:endParaRPr lang="en-US"/>
           </a:p>
@@ -2608,7 +2612,7 @@
             <a:fld id="{94B7499E-3031-413E-B01E-B94970708CAA}" type="datetime4">
               <a:rPr lang="en-US" smtClean="0"/>
               <a:pPr/>
-              <a:t>February 15, 2012</a:t>
+              <a:t>February 16, 2012</a:t>
             </a:fld>
             <a:endParaRPr lang="en-US"/>
           </a:p>
@@ -3040,7 +3044,7 @@
             <a:fld id="{DC7EAB0C-2220-4D0E-A0DD-DB7FA0F742F4}" type="datetime4">
               <a:rPr lang="en-US" smtClean="0"/>
               <a:pPr/>
-              <a:t>February 15, 2012</a:t>
+              <a:t>February 16, 2012</a:t>
             </a:fld>
             <a:endParaRPr lang="en-US"/>
           </a:p>
@@ -3575,7 +3579,7 @@
             <a:fld id="{E3416D63-31BF-4B94-B6C5-E20B2C63F515}" type="datetime4">
               <a:rPr lang="en-US" smtClean="0"/>
               <a:pPr/>
-              <a:t>February 15, 2012</a:t>
+              <a:t>February 16, 2012</a:t>
             </a:fld>
             <a:endParaRPr lang="en-US"/>
           </a:p>
@@ -4417,7 +4421,7 @@
             <a:fld id="{62B1B13E-D5AF-485E-81A1-82A140076526}" type="datetime4">
               <a:rPr lang="en-US" smtClean="0"/>
               <a:pPr/>
-              <a:t>February 15, 2012</a:t>
+              <a:t>February 16, 2012</a:t>
             </a:fld>
             <a:endParaRPr lang="en-US" dirty="0"/>
           </a:p>
@@ -4838,6 +4842,13 @@
               </a:rPr>
               <a:t>PlanetDEfense</a:t>
             </a:r>
+            <a:r>
+              <a:rPr lang="en-US" dirty="0" smtClean="0">
+                <a:latin typeface="Museo Sans 500"/>
+                <a:cs typeface="Museo Sans 500"/>
+              </a:rPr>
+              <a:t> V0.1.0</a:t>
+            </a:r>
             <a:endParaRPr lang="en-US" dirty="0">
               <a:latin typeface="Museo Sans 500"/>
               <a:cs typeface="Museo Sans 500"/>
@@ -4878,6 +4889,340 @@
     <p:extLst>
       <p:ext uri="{BB962C8B-B14F-4D97-AF65-F5344CB8AC3E}">
         <p14:creationId xmlns:p14="http://schemas.microsoft.com/office/powerpoint/2010/main" val="2477923576"/>
+      </p:ext>
+    </p:extLst>
+  </p:cSld>
+  <p:clrMapOvr>
+    <a:masterClrMapping/>
+  </p:clrMapOvr>
+</p:sld>
+</file>
+
+<file path=ppt/slides/slide10.xml><?xml version="1.0" encoding="utf-8"?>
+<p:sld xmlns:a="http://schemas.openxmlformats.org/drawingml/2006/main" xmlns:r="http://schemas.openxmlformats.org/officeDocument/2006/relationships" xmlns:p="http://schemas.openxmlformats.org/presentationml/2006/main">
+  <p:cSld>
+    <p:spTree>
+      <p:nvGrpSpPr>
+        <p:cNvPr id="1" name=""/>
+        <p:cNvGrpSpPr/>
+        <p:nvPr/>
+      </p:nvGrpSpPr>
+      <p:grpSpPr>
+        <a:xfrm>
+          <a:off x="0" y="0"/>
+          <a:ext cx="0" cy="0"/>
+          <a:chOff x="0" y="0"/>
+          <a:chExt cx="0" cy="0"/>
+        </a:xfrm>
+      </p:grpSpPr>
+      <p:sp>
+        <p:nvSpPr>
+          <p:cNvPr id="2" name="Title 1"/>
+          <p:cNvSpPr>
+            <a:spLocks noGrp="1"/>
+          </p:cNvSpPr>
+          <p:nvPr>
+            <p:ph type="title"/>
+          </p:nvPr>
+        </p:nvSpPr>
+        <p:spPr/>
+        <p:txBody>
+          <a:bodyPr/>
+          <a:lstStyle/>
+          <a:p>
+            <a:endParaRPr lang="en-US" dirty="0">
+              <a:latin typeface="Museo Sans 300"/>
+              <a:cs typeface="Museo Sans 300"/>
+            </a:endParaRPr>
+          </a:p>
+        </p:txBody>
+      </p:sp>
+      <p:sp>
+        <p:nvSpPr>
+          <p:cNvPr id="3" name="Rectangle 2"/>
+          <p:cNvSpPr/>
+          <p:nvPr/>
+        </p:nvSpPr>
+        <p:spPr>
+          <a:xfrm>
+            <a:off x="3209557" y="1822003"/>
+            <a:ext cx="2484526" cy="1015663"/>
+          </a:xfrm>
+          <a:prstGeom prst="rect">
+            <a:avLst/>
+          </a:prstGeom>
+        </p:spPr>
+        <p:txBody>
+          <a:bodyPr wrap="none">
+            <a:spAutoFit/>
+          </a:bodyPr>
+          <a:lstStyle/>
+          <a:p>
+            <a:pPr algn="ctr"/>
+            <a:r>
+              <a:rPr lang="en-US" sz="6000" dirty="0" smtClean="0">
+                <a:solidFill>
+                  <a:srgbClr val="008000"/>
+                </a:solidFill>
+                <a:latin typeface="Museo Sans 300"/>
+                <a:cs typeface="Museo Sans 300"/>
+              </a:rPr>
+              <a:t>DEMO</a:t>
+            </a:r>
+            <a:endParaRPr lang="en-US" sz="6000" dirty="0">
+              <a:solidFill>
+                <a:srgbClr val="008000"/>
+              </a:solidFill>
+              <a:latin typeface="Museo Sans 300"/>
+              <a:cs typeface="Museo Sans 300"/>
+            </a:endParaRPr>
+          </a:p>
+        </p:txBody>
+      </p:sp>
+    </p:spTree>
+    <p:extLst>
+      <p:ext uri="{BB962C8B-B14F-4D97-AF65-F5344CB8AC3E}">
+        <p14:creationId xmlns:p14="http://schemas.microsoft.com/office/powerpoint/2010/main" val="2061176747"/>
+      </p:ext>
+    </p:extLst>
+  </p:cSld>
+  <p:clrMapOvr>
+    <a:masterClrMapping/>
+  </p:clrMapOvr>
+</p:sld>
+</file>
+
+<file path=ppt/slides/slide11.xml><?xml version="1.0" encoding="utf-8"?>
+<p:sld xmlns:a="http://schemas.openxmlformats.org/drawingml/2006/main" xmlns:r="http://schemas.openxmlformats.org/officeDocument/2006/relationships" xmlns:p="http://schemas.openxmlformats.org/presentationml/2006/main">
+  <p:cSld>
+    <p:spTree>
+      <p:nvGrpSpPr>
+        <p:cNvPr id="1" name=""/>
+        <p:cNvGrpSpPr/>
+        <p:nvPr/>
+      </p:nvGrpSpPr>
+      <p:grpSpPr>
+        <a:xfrm>
+          <a:off x="0" y="0"/>
+          <a:ext cx="0" cy="0"/>
+          <a:chOff x="0" y="0"/>
+          <a:chExt cx="0" cy="0"/>
+        </a:xfrm>
+      </p:grpSpPr>
+      <p:sp>
+        <p:nvSpPr>
+          <p:cNvPr id="2" name="Title 1"/>
+          <p:cNvSpPr>
+            <a:spLocks noGrp="1"/>
+          </p:cNvSpPr>
+          <p:nvPr>
+            <p:ph type="title"/>
+          </p:nvPr>
+        </p:nvSpPr>
+        <p:spPr/>
+        <p:txBody>
+          <a:bodyPr/>
+          <a:lstStyle/>
+          <a:p>
+            <a:r>
+              <a:rPr lang="en-US" dirty="0" smtClean="0">
+                <a:latin typeface="Museo Sans 300"/>
+                <a:cs typeface="Museo Sans 300"/>
+              </a:rPr>
+              <a:t>Preliminary v0.2.0 Planning</a:t>
+            </a:r>
+            <a:endParaRPr lang="en-US" dirty="0">
+              <a:latin typeface="Museo Sans 300"/>
+              <a:cs typeface="Museo Sans 300"/>
+            </a:endParaRPr>
+          </a:p>
+        </p:txBody>
+      </p:sp>
+      <p:sp>
+        <p:nvSpPr>
+          <p:cNvPr id="4" name="TextBox 3"/>
+          <p:cNvSpPr txBox="1"/>
+          <p:nvPr/>
+        </p:nvSpPr>
+        <p:spPr>
+          <a:xfrm>
+            <a:off x="697749" y="1395675"/>
+            <a:ext cx="7646151" cy="2308324"/>
+          </a:xfrm>
+          <a:prstGeom prst="rect">
+            <a:avLst/>
+          </a:prstGeom>
+          <a:noFill/>
+        </p:spPr>
+        <p:txBody>
+          <a:bodyPr wrap="square" rtlCol="0">
+            <a:spAutoFit/>
+          </a:bodyPr>
+          <a:lstStyle/>
+          <a:p>
+            <a:pPr marL="685800" indent="-685800">
+              <a:buFont typeface="Arial"/>
+              <a:buChar char="•"/>
+            </a:pPr>
+            <a:r>
+              <a:rPr lang="en-US" sz="3600" dirty="0" smtClean="0">
+                <a:latin typeface="Museo Sans 300"/>
+                <a:cs typeface="Museo Sans 300"/>
+              </a:rPr>
+              <a:t>Menus</a:t>
+            </a:r>
+          </a:p>
+          <a:p>
+            <a:pPr marL="685800" indent="-685800">
+              <a:buFont typeface="Arial"/>
+              <a:buChar char="•"/>
+            </a:pPr>
+            <a:r>
+              <a:rPr lang="en-US" sz="3600" dirty="0" smtClean="0">
+                <a:latin typeface="Museo Sans 300"/>
+                <a:cs typeface="Museo Sans 300"/>
+              </a:rPr>
+              <a:t>Difficulty Variations</a:t>
+            </a:r>
+          </a:p>
+          <a:p>
+            <a:pPr marL="685800" indent="-685800">
+              <a:buFont typeface="Arial"/>
+              <a:buChar char="•"/>
+            </a:pPr>
+            <a:r>
+              <a:rPr lang="en-US" sz="3600" dirty="0" smtClean="0">
+                <a:latin typeface="Museo Sans 300"/>
+                <a:cs typeface="Museo Sans 300"/>
+              </a:rPr>
+              <a:t>Asteroid Explosion Animations</a:t>
+            </a:r>
+          </a:p>
+          <a:p>
+            <a:pPr marL="685800" indent="-685800">
+              <a:buFont typeface="Arial"/>
+              <a:buChar char="•"/>
+            </a:pPr>
+            <a:r>
+              <a:rPr lang="en-US" sz="3600" dirty="0" smtClean="0">
+                <a:latin typeface="Museo Sans 300"/>
+                <a:cs typeface="Museo Sans 300"/>
+              </a:rPr>
+              <a:t>2</a:t>
+            </a:r>
+            <a:r>
+              <a:rPr lang="en-US" sz="3600" baseline="30000" dirty="0" smtClean="0">
+                <a:latin typeface="Museo Sans 300"/>
+                <a:cs typeface="Museo Sans 300"/>
+              </a:rPr>
+              <a:t>nd</a:t>
+            </a:r>
+            <a:r>
+              <a:rPr lang="en-US" sz="3600" dirty="0" smtClean="0">
+                <a:latin typeface="Museo Sans 300"/>
+                <a:cs typeface="Museo Sans 300"/>
+              </a:rPr>
+              <a:t> Level</a:t>
+            </a:r>
+            <a:endParaRPr lang="en-US" sz="3600" dirty="0">
+              <a:latin typeface="Museo Sans 300"/>
+              <a:cs typeface="Museo Sans 300"/>
+            </a:endParaRPr>
+          </a:p>
+        </p:txBody>
+      </p:sp>
+    </p:spTree>
+    <p:extLst>
+      <p:ext uri="{BB962C8B-B14F-4D97-AF65-F5344CB8AC3E}">
+        <p14:creationId xmlns:p14="http://schemas.microsoft.com/office/powerpoint/2010/main" val="2493348464"/>
+      </p:ext>
+    </p:extLst>
+  </p:cSld>
+  <p:clrMapOvr>
+    <a:masterClrMapping/>
+  </p:clrMapOvr>
+</p:sld>
+</file>
+
+<file path=ppt/slides/slide12.xml><?xml version="1.0" encoding="utf-8"?>
+<p:sld xmlns:a="http://schemas.openxmlformats.org/drawingml/2006/main" xmlns:r="http://schemas.openxmlformats.org/officeDocument/2006/relationships" xmlns:p="http://schemas.openxmlformats.org/presentationml/2006/main">
+  <p:cSld>
+    <p:spTree>
+      <p:nvGrpSpPr>
+        <p:cNvPr id="1" name=""/>
+        <p:cNvGrpSpPr/>
+        <p:nvPr/>
+      </p:nvGrpSpPr>
+      <p:grpSpPr>
+        <a:xfrm>
+          <a:off x="0" y="0"/>
+          <a:ext cx="0" cy="0"/>
+          <a:chOff x="0" y="0"/>
+          <a:chExt cx="0" cy="0"/>
+        </a:xfrm>
+      </p:grpSpPr>
+      <p:sp>
+        <p:nvSpPr>
+          <p:cNvPr id="2" name="Title 1"/>
+          <p:cNvSpPr>
+            <a:spLocks noGrp="1"/>
+          </p:cNvSpPr>
+          <p:nvPr>
+            <p:ph type="title"/>
+          </p:nvPr>
+        </p:nvSpPr>
+        <p:spPr/>
+        <p:txBody>
+          <a:bodyPr/>
+          <a:lstStyle/>
+          <a:p>
+            <a:endParaRPr lang="en-US" dirty="0">
+              <a:latin typeface="Museo Sans 300"/>
+              <a:cs typeface="Museo Sans 300"/>
+            </a:endParaRPr>
+          </a:p>
+        </p:txBody>
+      </p:sp>
+      <p:sp>
+        <p:nvSpPr>
+          <p:cNvPr id="4" name="TextBox 3"/>
+          <p:cNvSpPr txBox="1"/>
+          <p:nvPr/>
+        </p:nvSpPr>
+        <p:spPr>
+          <a:xfrm>
+            <a:off x="697749" y="2051643"/>
+            <a:ext cx="7646151" cy="830997"/>
+          </a:xfrm>
+          <a:prstGeom prst="rect">
+            <a:avLst/>
+          </a:prstGeom>
+          <a:noFill/>
+        </p:spPr>
+        <p:txBody>
+          <a:bodyPr wrap="square" rtlCol="0">
+            <a:spAutoFit/>
+          </a:bodyPr>
+          <a:lstStyle/>
+          <a:p>
+            <a:r>
+              <a:rPr lang="en-US" sz="4800" dirty="0" smtClean="0">
+                <a:latin typeface="Museo Sans 300"/>
+                <a:cs typeface="Museo Sans 300"/>
+              </a:rPr>
+              <a:t>Questions? Adorations?</a:t>
+            </a:r>
+            <a:endParaRPr lang="en-US" sz="4800" dirty="0">
+              <a:latin typeface="Museo Sans 300"/>
+              <a:cs typeface="Museo Sans 300"/>
+            </a:endParaRPr>
+          </a:p>
+        </p:txBody>
+      </p:sp>
+    </p:spTree>
+    <p:extLst>
+      <p:ext uri="{BB962C8B-B14F-4D97-AF65-F5344CB8AC3E}">
+        <p14:creationId xmlns:p14="http://schemas.microsoft.com/office/powerpoint/2010/main" val="4229471519"/>
       </p:ext>
     </p:extLst>
   </p:cSld>
@@ -4924,7 +5269,14 @@
                 <a:latin typeface="Museo Sans 500"/>
                 <a:cs typeface="Museo Sans 500"/>
               </a:rPr>
-              <a:t>Description:</a:t>
+              <a:t>User </a:t>
+            </a:r>
+            <a:r>
+              <a:rPr lang="en-US" dirty="0" smtClean="0">
+                <a:latin typeface="Museo Sans 500"/>
+                <a:cs typeface="Museo Sans 500"/>
+              </a:rPr>
+              <a:t>Stories:</a:t>
             </a:r>
             <a:endParaRPr lang="en-US" dirty="0">
               <a:latin typeface="Museo Sans 500"/>
@@ -4950,104 +5302,187 @@
           </a:bodyPr>
           <a:lstStyle/>
           <a:p>
-            <a:r>
-              <a:rPr lang="en-US" b="0" dirty="0" err="1" smtClean="0">
+            <a:pPr marL="285750" indent="-285750">
+              <a:buFont typeface="Arial"/>
+              <a:buChar char="•"/>
+            </a:pPr>
+            <a:r>
+              <a:rPr lang="en-US" sz="1100" dirty="0" smtClean="0">
                 <a:latin typeface="Museo Sans 300"/>
                 <a:cs typeface="Museo Sans 300"/>
               </a:rPr>
-              <a:t>PlanetDefense</a:t>
-            </a:r>
-            <a:r>
-              <a:rPr lang="en-US" b="0" dirty="0" smtClean="0">
+              <a:t>As a user, I want to hear background music while playing and be able to adjust the volume</a:t>
+            </a:r>
+          </a:p>
+          <a:p>
+            <a:pPr marL="285750" indent="-285750">
+              <a:buFont typeface="Arial"/>
+              <a:buChar char="•"/>
+            </a:pPr>
+            <a:r>
+              <a:rPr lang="en-US" sz="1100" dirty="0" smtClean="0">
                 <a:latin typeface="Museo Sans 300"/>
                 <a:cs typeface="Museo Sans 300"/>
               </a:rPr>
-              <a:t> will be a 2D game where the player flies a space ship just outside of the atmosphere and must shoot down asteroids that are falling towards Earth. The earth will have a health bar displayed and if too many asteroids hit the planet the health will be depleted and the game will be over. </a:t>
-            </a:r>
-            <a:endParaRPr lang="en-US" b="0" dirty="0">
+              <a:t>As a user, in order to destroy asteroids, my lasers need to make asteroids explode.</a:t>
+            </a:r>
+          </a:p>
+          <a:p>
+            <a:pPr marL="285750" indent="-285750">
+              <a:buFont typeface="Arial"/>
+              <a:buChar char="•"/>
+            </a:pPr>
+            <a:r>
+              <a:rPr lang="en-US" sz="1100" dirty="0" smtClean="0">
+                <a:latin typeface="Museo Sans 300"/>
+                <a:cs typeface="Museo Sans 300"/>
+              </a:rPr>
+              <a:t>As a user, in order to beat the level, I need to destroy all asteroids in a given time period.</a:t>
+            </a:r>
+          </a:p>
+          <a:p>
+            <a:pPr marL="285750" indent="-285750">
+              <a:buFont typeface="Arial"/>
+              <a:buChar char="•"/>
+            </a:pPr>
+            <a:r>
+              <a:rPr lang="en-US" sz="1100" dirty="0" smtClean="0">
+                <a:latin typeface="Museo Sans 300"/>
+                <a:cs typeface="Museo Sans 300"/>
+              </a:rPr>
+              <a:t>As a user, in order to lose the game, I need to die when I collide with an asteroid.</a:t>
+            </a:r>
+          </a:p>
+          <a:p>
+            <a:pPr marL="285750" indent="-285750">
+              <a:buFont typeface="Arial"/>
+              <a:buChar char="•"/>
+            </a:pPr>
+            <a:r>
+              <a:rPr lang="en-US" sz="1100" dirty="0" smtClean="0">
+                <a:latin typeface="Museo Sans 300"/>
+                <a:cs typeface="Museo Sans 300"/>
+              </a:rPr>
+              <a:t>As a user, in order to shoot asteroids, my space ship needs to be able to shoot lasers</a:t>
+            </a:r>
+          </a:p>
+          <a:p>
+            <a:pPr marL="285750" indent="-285750">
+              <a:buFont typeface="Arial"/>
+              <a:buChar char="•"/>
+            </a:pPr>
+            <a:r>
+              <a:rPr lang="en-US" sz="1100" dirty="0" smtClean="0">
+                <a:latin typeface="Museo Sans 300"/>
+                <a:cs typeface="Museo Sans 300"/>
+              </a:rPr>
+              <a:t>As a user, in order to lose the game, the game needs to be over when I run out of lives.</a:t>
+            </a:r>
+          </a:p>
+          <a:p>
+            <a:pPr marL="285750" indent="-285750">
+              <a:buFont typeface="Arial"/>
+              <a:buChar char="•"/>
+            </a:pPr>
+            <a:r>
+              <a:rPr lang="en-US" sz="1100" dirty="0" smtClean="0">
+                <a:latin typeface="Museo Sans 300"/>
+                <a:cs typeface="Museo Sans 300"/>
+              </a:rPr>
+              <a:t>As a user I want [un]pause the game by pressing P</a:t>
+            </a:r>
+          </a:p>
+          <a:p>
+            <a:pPr marL="285750" indent="-285750">
+              <a:buFont typeface="Arial"/>
+              <a:buChar char="•"/>
+            </a:pPr>
+            <a:r>
+              <a:rPr lang="en-US" sz="1100" dirty="0" smtClean="0">
+                <a:latin typeface="Museo Sans 300"/>
+                <a:cs typeface="Museo Sans 300"/>
+              </a:rPr>
+              <a:t>As a user, in order to play the game, the game needs to initialize after I start it</a:t>
+            </a:r>
+          </a:p>
+          <a:p>
+            <a:pPr marL="285750" indent="-285750">
+              <a:buFont typeface="Arial"/>
+              <a:buChar char="•"/>
+            </a:pPr>
+            <a:r>
+              <a:rPr lang="en-US" sz="1100" dirty="0" smtClean="0">
+                <a:latin typeface="Museo Sans 300"/>
+                <a:cs typeface="Museo Sans 300"/>
+              </a:rPr>
+              <a:t>As a user, in order to play the game, my space ship needs to move vertically and horizontally on a 2 dimensional plane</a:t>
+            </a:r>
+          </a:p>
+          <a:p>
+            <a:pPr marL="285750" indent="-285750">
+              <a:buFont typeface="Arial"/>
+              <a:buChar char="•"/>
+            </a:pPr>
+            <a:endParaRPr lang="en-US" sz="1100" dirty="0">
               <a:latin typeface="Museo Sans 300"/>
               <a:cs typeface="Museo Sans 300"/>
             </a:endParaRPr>
           </a:p>
           <a:p>
-            <a:r>
-              <a:rPr lang="en-US" dirty="0" smtClean="0">
+            <a:pPr marL="0" indent="0"/>
+            <a:r>
+              <a:rPr lang="en-US" sz="2800" dirty="0" smtClean="0">
+                <a:solidFill>
+                  <a:schemeClr val="accent2"/>
+                </a:solidFill>
                 <a:latin typeface="Museo Sans 300"/>
                 <a:cs typeface="Museo Sans 300"/>
               </a:rPr>
-              <a:t>	Possible enhancements include: </a:t>
-            </a:r>
-          </a:p>
-          <a:p>
-            <a:pPr lvl="4"/>
-            <a:r>
-              <a:rPr lang="en-US" dirty="0" smtClean="0">
+              <a:t>Planned Stories: 12</a:t>
+            </a:r>
+            <a:r>
+              <a:rPr lang="en-US" sz="2800" dirty="0" smtClean="0">
                 <a:latin typeface="Museo Sans 300"/>
                 <a:cs typeface="Museo Sans 300"/>
               </a:rPr>
-              <a:t> Enemy ships in addition to the asteroids</a:t>
-            </a:r>
-          </a:p>
-          <a:p>
-            <a:pPr lvl="4"/>
-            <a:r>
-              <a:rPr lang="en-US" dirty="0" smtClean="0">
+              <a:t>	</a:t>
+            </a:r>
+            <a:r>
+              <a:rPr lang="en-US" sz="2800" dirty="0" smtClean="0">
+                <a:solidFill>
+                  <a:srgbClr val="008000"/>
+                </a:solidFill>
                 <a:latin typeface="Museo Sans 300"/>
                 <a:cs typeface="Museo Sans 300"/>
               </a:rPr>
-              <a:t> Facebook login integration and high scores maintained online</a:t>
-            </a:r>
-          </a:p>
-          <a:p>
-            <a:pPr lvl="4"/>
-            <a:r>
-              <a:rPr lang="en-US" dirty="0">
-                <a:latin typeface="Museo Sans 300"/>
-                <a:cs typeface="Museo Sans 300"/>
-              </a:rPr>
-              <a:t> </a:t>
-            </a:r>
-            <a:r>
-              <a:rPr lang="en-US" dirty="0" smtClean="0">
-                <a:latin typeface="Museo Sans 300"/>
-                <a:cs typeface="Museo Sans 300"/>
-              </a:rPr>
-              <a:t>Choosing your ship</a:t>
-            </a:r>
-          </a:p>
-          <a:p>
-            <a:pPr lvl="4"/>
-            <a:r>
-              <a:rPr lang="en-US" dirty="0">
-                <a:latin typeface="Museo Sans 300"/>
-                <a:cs typeface="Museo Sans 300"/>
-              </a:rPr>
-              <a:t> </a:t>
-            </a:r>
-            <a:r>
-              <a:rPr lang="en-US" dirty="0" smtClean="0">
-                <a:latin typeface="Museo Sans 300"/>
-                <a:cs typeface="Museo Sans 300"/>
-              </a:rPr>
-              <a:t>Progression through levels</a:t>
-            </a:r>
-          </a:p>
-          <a:p>
-            <a:pPr lvl="4"/>
-            <a:r>
-              <a:rPr lang="en-US" dirty="0">
-                <a:latin typeface="Museo Sans 300"/>
-                <a:cs typeface="Museo Sans 300"/>
-              </a:rPr>
-              <a:t> </a:t>
-            </a:r>
-            <a:r>
-              <a:rPr lang="en-US" dirty="0" smtClean="0">
-                <a:latin typeface="Museo Sans 300"/>
-                <a:cs typeface="Museo Sans 300"/>
-              </a:rPr>
-              <a:t>Earning points earns you ‘currency’ to purchase upgrades			</a:t>
-            </a:r>
+              <a:t>Completed Stories: 9</a:t>
+            </a:r>
+          </a:p>
+          <a:p>
+            <a:pPr marL="285750" indent="-285750">
+              <a:buFont typeface="Arial"/>
+              <a:buChar char="•"/>
+            </a:pPr>
+            <a:endParaRPr lang="en-US" sz="1100" dirty="0" smtClean="0">
+              <a:latin typeface="Museo Sans 300"/>
+              <a:cs typeface="Museo Sans 300"/>
+            </a:endParaRPr>
+          </a:p>
+          <a:p>
+            <a:pPr marL="285750" indent="-285750">
+              <a:buFont typeface="Arial"/>
+              <a:buChar char="•"/>
+            </a:pPr>
+            <a:endParaRPr lang="en-US" dirty="0" smtClean="0">
+              <a:latin typeface="Museo Sans 300"/>
+              <a:cs typeface="Museo Sans 300"/>
+            </a:endParaRPr>
+          </a:p>
+          <a:p>
+            <a:pPr>
+              <a:buFont typeface="Arial"/>
+              <a:buChar char="•"/>
+            </a:pPr>
             <a:endParaRPr lang="en-US" dirty="0">
               <a:latin typeface="Museo Sans 300"/>
               <a:cs typeface="Museo Sans 300"/>
@@ -5105,7 +5540,7 @@
                 <a:latin typeface="Museo Sans 500"/>
                 <a:cs typeface="Museo Sans 500"/>
               </a:rPr>
-              <a:t>Initial View design:</a:t>
+              <a:t>Unit testing – Game Window</a:t>
             </a:r>
             <a:endParaRPr lang="en-US" dirty="0">
               <a:latin typeface="Museo Sans 500"/>
@@ -5114,40 +5549,270 @@
           </a:p>
         </p:txBody>
       </p:sp>
-      <p:pic>
-        <p:nvPicPr>
-          <p:cNvPr id="4" name="Content Placeholder 3" descr="Game Sketch.png"/>
-          <p:cNvPicPr>
-            <a:picLocks noGrp="1" noChangeAspect="1"/>
-          </p:cNvPicPr>
-          <p:nvPr>
-            <p:ph idx="1"/>
-          </p:nvPr>
-        </p:nvPicPr>
-        <p:blipFill>
-          <a:blip r:embed="rId2">
-            <a:extLst>
-              <a:ext uri="{28A0092B-C50C-407E-A947-70E740481C1C}">
-                <a14:useLocalDpi xmlns:a14="http://schemas.microsoft.com/office/drawing/2010/main" val="0"/>
-              </a:ext>
-            </a:extLst>
-          </a:blip>
-          <a:srcRect t="7694" b="7694"/>
-          <a:stretch>
-            <a:fillRect/>
-          </a:stretch>
-        </p:blipFill>
+      <p:sp>
+        <p:nvSpPr>
+          <p:cNvPr id="5" name="Rectangle 4"/>
+          <p:cNvSpPr/>
+          <p:nvPr/>
+        </p:nvSpPr>
         <p:spPr>
           <a:xfrm>
-            <a:off x="669455" y="1100628"/>
-            <a:ext cx="7862374" cy="3742366"/>
+            <a:off x="1339678" y="1158411"/>
+            <a:ext cx="5944821" cy="3405448"/>
           </a:xfrm>
+          <a:prstGeom prst="rect">
+            <a:avLst/>
+          </a:prstGeom>
+          <a:solidFill>
+            <a:schemeClr val="tx1"/>
+          </a:solidFill>
         </p:spPr>
-      </p:pic>
+        <p:style>
+          <a:lnRef idx="1">
+            <a:schemeClr val="accent1"/>
+          </a:lnRef>
+          <a:fillRef idx="3">
+            <a:schemeClr val="accent1"/>
+          </a:fillRef>
+          <a:effectRef idx="2">
+            <a:schemeClr val="accent1"/>
+          </a:effectRef>
+          <a:fontRef idx="minor">
+            <a:schemeClr val="lt1"/>
+          </a:fontRef>
+        </p:style>
+        <p:txBody>
+          <a:bodyPr rtlCol="0" anchor="ctr"/>
+          <a:lstStyle/>
+          <a:p>
+            <a:pPr algn="ctr"/>
+            <a:endParaRPr lang="en-US"/>
+          </a:p>
+        </p:txBody>
+      </p:sp>
+      <p:sp>
+        <p:nvSpPr>
+          <p:cNvPr id="4" name="TextBox 3"/>
+          <p:cNvSpPr txBox="1"/>
+          <p:nvPr/>
+        </p:nvSpPr>
+        <p:spPr>
+          <a:xfrm>
+            <a:off x="1674597" y="1333103"/>
+            <a:ext cx="5486511" cy="3108544"/>
+          </a:xfrm>
+          <a:prstGeom prst="rect">
+            <a:avLst/>
+          </a:prstGeom>
+          <a:noFill/>
+        </p:spPr>
+        <p:txBody>
+          <a:bodyPr wrap="none" rtlCol="0">
+            <a:spAutoFit/>
+          </a:bodyPr>
+          <a:lstStyle/>
+          <a:p>
+            <a:r>
+              <a:rPr lang="en-US" sz="1400" dirty="0" err="1">
+                <a:solidFill>
+                  <a:schemeClr val="bg1"/>
+                </a:solidFill>
+              </a:rPr>
+              <a:t>PlanetDefense</a:t>
+            </a:r>
+            <a:r>
+              <a:rPr lang="en-US" sz="1400" dirty="0">
+                <a:solidFill>
+                  <a:schemeClr val="bg1"/>
+                </a:solidFill>
+              </a:rPr>
+              <a:t>::</a:t>
+            </a:r>
+            <a:r>
+              <a:rPr lang="en-US" sz="1400" dirty="0" err="1">
+                <a:solidFill>
+                  <a:schemeClr val="bg1"/>
+                </a:solidFill>
+              </a:rPr>
+              <a:t>GameWindow</a:t>
+            </a:r>
+            <a:endParaRPr lang="en-US" sz="1400" dirty="0">
+              <a:solidFill>
+                <a:schemeClr val="bg1"/>
+              </a:solidFill>
+            </a:endParaRPr>
+          </a:p>
+          <a:p>
+            <a:r>
+              <a:rPr lang="en-US" sz="1400" dirty="0"/>
+              <a:t> </a:t>
+            </a:r>
+            <a:r>
+              <a:rPr lang="en-US" sz="1400" dirty="0">
+                <a:solidFill>
+                  <a:srgbClr val="00FF00"/>
+                </a:solidFill>
+              </a:rPr>
+              <a:t> should respond to #close</a:t>
+            </a:r>
+          </a:p>
+          <a:p>
+            <a:r>
+              <a:rPr lang="en-US" sz="1400" dirty="0">
+                <a:solidFill>
+                  <a:srgbClr val="00FF00"/>
+                </a:solidFill>
+              </a:rPr>
+              <a:t>  should respond to #fps</a:t>
+            </a:r>
+          </a:p>
+          <a:p>
+            <a:r>
+              <a:rPr lang="en-US" sz="1400" dirty="0">
+                <a:solidFill>
+                  <a:srgbClr val="00FF00"/>
+                </a:solidFill>
+              </a:rPr>
+              <a:t>  should respond to #update</a:t>
+            </a:r>
+          </a:p>
+          <a:p>
+            <a:r>
+              <a:rPr lang="en-US" sz="1400" dirty="0">
+                <a:solidFill>
+                  <a:srgbClr val="00FF00"/>
+                </a:solidFill>
+              </a:rPr>
+              <a:t>  should respond to #draw</a:t>
+            </a:r>
+          </a:p>
+          <a:p>
+            <a:r>
+              <a:rPr lang="en-US" sz="1400" dirty="0">
+                <a:solidFill>
+                  <a:srgbClr val="00FF00"/>
+                </a:solidFill>
+              </a:rPr>
+              <a:t>  should respond to #root</a:t>
+            </a:r>
+          </a:p>
+          <a:p>
+            <a:r>
+              <a:rPr lang="en-US" sz="1400" dirty="0">
+                <a:solidFill>
+                  <a:srgbClr val="00FF00"/>
+                </a:solidFill>
+              </a:rPr>
+              <a:t>  should respond to #</a:t>
+            </a:r>
+            <a:r>
+              <a:rPr lang="en-US" sz="1400" dirty="0" err="1">
+                <a:solidFill>
+                  <a:srgbClr val="00FF00"/>
+                </a:solidFill>
+              </a:rPr>
+              <a:t>game_state_manager</a:t>
+            </a:r>
+            <a:endParaRPr lang="en-US" sz="1400" dirty="0">
+              <a:solidFill>
+                <a:srgbClr val="00FF00"/>
+              </a:solidFill>
+            </a:endParaRPr>
+          </a:p>
+          <a:p>
+            <a:r>
+              <a:rPr lang="en-US" sz="1400" dirty="0">
+                <a:solidFill>
+                  <a:srgbClr val="00FF00"/>
+                </a:solidFill>
+              </a:rPr>
+              <a:t>  should respond to #factor</a:t>
+            </a:r>
+          </a:p>
+          <a:p>
+            <a:r>
+              <a:rPr lang="en-US" sz="1400" dirty="0">
+                <a:solidFill>
+                  <a:srgbClr val="00FF00"/>
+                </a:solidFill>
+              </a:rPr>
+              <a:t>  should respond to #cursor</a:t>
+            </a:r>
+          </a:p>
+          <a:p>
+            <a:r>
+              <a:rPr lang="en-US" sz="1400" dirty="0">
+                <a:solidFill>
+                  <a:srgbClr val="00FF00"/>
+                </a:solidFill>
+              </a:rPr>
+              <a:t>  should respond to #root</a:t>
+            </a:r>
+          </a:p>
+          <a:p>
+            <a:r>
+              <a:rPr lang="en-US" sz="1400" dirty="0">
+                <a:solidFill>
+                  <a:srgbClr val="00FF00"/>
+                </a:solidFill>
+              </a:rPr>
+              <a:t>  should respond to #</a:t>
+            </a:r>
+            <a:r>
+              <a:rPr lang="en-US" sz="1400" dirty="0" err="1">
+                <a:solidFill>
+                  <a:srgbClr val="00FF00"/>
+                </a:solidFill>
+              </a:rPr>
+              <a:t>milliseconds_since_last_tick</a:t>
+            </a:r>
+            <a:endParaRPr lang="en-US" sz="1400" dirty="0">
+              <a:solidFill>
+                <a:srgbClr val="00FF00"/>
+              </a:solidFill>
+            </a:endParaRPr>
+          </a:p>
+          <a:p>
+            <a:r>
+              <a:rPr lang="en-US" sz="1400" dirty="0">
+                <a:solidFill>
+                  <a:srgbClr val="00FF00"/>
+                </a:solidFill>
+              </a:rPr>
+              <a:t>  Window should be initialized</a:t>
+            </a:r>
+          </a:p>
+          <a:p>
+            <a:r>
+              <a:rPr lang="en-US" sz="1400" dirty="0">
+                <a:solidFill>
+                  <a:srgbClr val="00FF00"/>
+                </a:solidFill>
+              </a:rPr>
+              <a:t>  Window should have correct dimensions</a:t>
+            </a:r>
+          </a:p>
+          <a:p>
+            <a:r>
+              <a:rPr lang="en-US" sz="1400" dirty="0">
+                <a:solidFill>
+                  <a:srgbClr val="00FF00"/>
+                </a:solidFill>
+              </a:rPr>
+              <a:t>  Window should automatically have current version number in caption</a:t>
+            </a:r>
+            <a:endParaRPr lang="en-US" sz="1400" dirty="0" smtClean="0">
+              <a:solidFill>
+                <a:srgbClr val="00FF00"/>
+              </a:solidFill>
+            </a:endParaRPr>
+          </a:p>
+        </p:txBody>
+      </p:sp>
     </p:spTree>
     <p:extLst>
       <p:ext uri="{BB962C8B-B14F-4D97-AF65-F5344CB8AC3E}">
-        <p14:creationId xmlns:p14="http://schemas.microsoft.com/office/powerpoint/2010/main" val="3840237859"/>
+        <p14:creationId xmlns:p14="http://schemas.microsoft.com/office/powerpoint/2010/main" val="3019015021"/>
       </p:ext>
     </p:extLst>
   </p:cSld>
@@ -5194,7 +5859,7 @@
                 <a:latin typeface="Museo Sans 500"/>
                 <a:cs typeface="Museo Sans 500"/>
               </a:rPr>
-              <a:t>Platform and Libraries:</a:t>
+              <a:t>Unit testing – Player Object</a:t>
             </a:r>
             <a:endParaRPr lang="en-US" dirty="0">
               <a:latin typeface="Museo Sans 500"/>
@@ -5203,44 +5868,57 @@
           </a:p>
         </p:txBody>
       </p:sp>
-      <p:pic>
-        <p:nvPicPr>
-          <p:cNvPr id="5" name="Content Placeholder 4" descr="ruby.png"/>
-          <p:cNvPicPr>
-            <a:picLocks noGrp="1" noChangeAspect="1"/>
-          </p:cNvPicPr>
-          <p:nvPr>
-            <p:ph idx="1"/>
-          </p:nvPr>
-        </p:nvPicPr>
-        <p:blipFill rotWithShape="1">
-          <a:blip r:embed="rId2">
-            <a:extLst>
-              <a:ext uri="{28A0092B-C50C-407E-A947-70E740481C1C}">
-                <a14:useLocalDpi xmlns:a14="http://schemas.microsoft.com/office/drawing/2010/main" val="0"/>
-              </a:ext>
-            </a:extLst>
-          </a:blip>
-          <a:srcRect t="203" b="-1192"/>
-          <a:stretch/>
-        </p:blipFill>
+      <p:sp>
+        <p:nvSpPr>
+          <p:cNvPr id="5" name="Rectangle 4"/>
+          <p:cNvSpPr/>
+          <p:nvPr/>
+        </p:nvSpPr>
         <p:spPr>
           <a:xfrm>
-            <a:off x="822960" y="938708"/>
-            <a:ext cx="1483801" cy="1500118"/>
+            <a:off x="1339678" y="1158411"/>
+            <a:ext cx="6056461" cy="3600842"/>
           </a:xfrm>
+          <a:prstGeom prst="rect">
+            <a:avLst/>
+          </a:prstGeom>
+          <a:solidFill>
+            <a:schemeClr val="tx1"/>
+          </a:solidFill>
         </p:spPr>
-      </p:pic>
-      <p:sp>
-        <p:nvSpPr>
-          <p:cNvPr id="6" name="TextBox 5"/>
+        <p:style>
+          <a:lnRef idx="1">
+            <a:schemeClr val="accent1"/>
+          </a:lnRef>
+          <a:fillRef idx="3">
+            <a:schemeClr val="accent1"/>
+          </a:fillRef>
+          <a:effectRef idx="2">
+            <a:schemeClr val="accent1"/>
+          </a:effectRef>
+          <a:fontRef idx="minor">
+            <a:schemeClr val="lt1"/>
+          </a:fontRef>
+        </p:style>
+        <p:txBody>
+          <a:bodyPr rtlCol="0" anchor="ctr"/>
+          <a:lstStyle/>
+          <a:p>
+            <a:pPr algn="ctr"/>
+            <a:endParaRPr lang="en-US"/>
+          </a:p>
+        </p:txBody>
+      </p:sp>
+      <p:sp>
+        <p:nvSpPr>
+          <p:cNvPr id="4" name="TextBox 3"/>
           <p:cNvSpPr txBox="1"/>
           <p:nvPr/>
         </p:nvSpPr>
         <p:spPr>
           <a:xfrm>
-            <a:off x="2306761" y="1688767"/>
-            <a:ext cx="5463030" cy="400110"/>
+            <a:off x="2316526" y="952409"/>
+            <a:ext cx="4134728" cy="3970318"/>
           </a:xfrm>
           <a:prstGeom prst="rect">
             <a:avLst/>
@@ -5253,197 +5931,193 @@
           </a:bodyPr>
           <a:lstStyle/>
           <a:p>
-            <a:r>
-              <a:rPr lang="en-US" sz="2000" dirty="0" smtClean="0">
-                <a:latin typeface="Museo Sans 300"/>
-                <a:cs typeface="Museo Sans 300"/>
-              </a:rPr>
-              <a:t>Ruby Programming Language (Multiplatform)</a:t>
-            </a:r>
-            <a:endParaRPr lang="en-US" sz="2000" dirty="0">
-              <a:latin typeface="Museo Sans 300"/>
-              <a:cs typeface="Museo Sans 300"/>
+            <a:endParaRPr lang="en-US" sz="1400" dirty="0">
+              <a:solidFill>
+                <a:schemeClr val="bg1"/>
+              </a:solidFill>
             </a:endParaRPr>
           </a:p>
-        </p:txBody>
-      </p:sp>
-      <p:pic>
-        <p:nvPicPr>
-          <p:cNvPr id="7" name="Picture 6" descr="website_header.png"/>
-          <p:cNvPicPr>
-            <a:picLocks noChangeAspect="1"/>
-          </p:cNvPicPr>
-          <p:nvPr/>
-        </p:nvPicPr>
-        <p:blipFill>
-          <a:blip r:embed="rId3">
-            <a:extLst>
-              <a:ext uri="{28A0092B-C50C-407E-A947-70E740481C1C}">
-                <a14:useLocalDpi xmlns:a14="http://schemas.microsoft.com/office/drawing/2010/main" val="0"/>
-              </a:ext>
-            </a:extLst>
-          </a:blip>
-          <a:stretch>
-            <a:fillRect/>
-          </a:stretch>
-        </p:blipFill>
-        <p:spPr>
-          <a:xfrm>
-            <a:off x="5405020" y="2550480"/>
-            <a:ext cx="2938880" cy="1203104"/>
-          </a:xfrm>
-          <a:prstGeom prst="rect">
-            <a:avLst/>
-          </a:prstGeom>
-        </p:spPr>
-      </p:pic>
-      <p:sp>
-        <p:nvSpPr>
-          <p:cNvPr id="8" name="TextBox 7"/>
-          <p:cNvSpPr txBox="1"/>
-          <p:nvPr/>
-        </p:nvSpPr>
-        <p:spPr>
-          <a:xfrm>
-            <a:off x="898658" y="2996042"/>
-            <a:ext cx="4506362" cy="400110"/>
-          </a:xfrm>
-          <a:prstGeom prst="rect">
-            <a:avLst/>
-          </a:prstGeom>
-          <a:noFill/>
-        </p:spPr>
-        <p:txBody>
-          <a:bodyPr wrap="none" rtlCol="0">
-            <a:spAutoFit/>
-          </a:bodyPr>
-          <a:lstStyle/>
-          <a:p>
-            <a:r>
-              <a:rPr lang="en-US" sz="2000" dirty="0" err="1" smtClean="0">
-                <a:latin typeface="Museo Sans 300"/>
-                <a:cs typeface="Museo Sans 300"/>
-              </a:rPr>
-              <a:t>Gosu</a:t>
-            </a:r>
-            <a:r>
-              <a:rPr lang="en-US" sz="2000" dirty="0" smtClean="0">
-                <a:latin typeface="Museo Sans 300"/>
-                <a:cs typeface="Museo Sans 300"/>
-              </a:rPr>
-              <a:t> 2D Game Development Library</a:t>
-            </a:r>
-            <a:endParaRPr lang="en-US" sz="2000" dirty="0">
-              <a:latin typeface="Museo Sans 300"/>
-              <a:cs typeface="Museo Sans 300"/>
-            </a:endParaRPr>
-          </a:p>
-        </p:txBody>
-      </p:sp>
-      <p:sp>
-        <p:nvSpPr>
-          <p:cNvPr id="10" name="TextBox 9"/>
-          <p:cNvSpPr txBox="1"/>
-          <p:nvPr/>
-        </p:nvSpPr>
-        <p:spPr>
-          <a:xfrm>
-            <a:off x="2894732" y="4280088"/>
-            <a:ext cx="3084945" cy="400110"/>
-          </a:xfrm>
-          <a:prstGeom prst="rect">
-            <a:avLst/>
-          </a:prstGeom>
-          <a:noFill/>
-        </p:spPr>
-        <p:txBody>
-          <a:bodyPr wrap="none" rtlCol="0">
-            <a:spAutoFit/>
-          </a:bodyPr>
-          <a:lstStyle/>
-          <a:p>
-            <a:r>
-              <a:rPr lang="en-US" sz="2000" dirty="0" smtClean="0">
-                <a:latin typeface="Museo Sans 300"/>
-                <a:cs typeface="Museo Sans 300"/>
-              </a:rPr>
-              <a:t>Ruby Testing Framework</a:t>
-            </a:r>
-            <a:endParaRPr lang="en-US" sz="2000" dirty="0">
-              <a:latin typeface="Museo Sans 300"/>
-              <a:cs typeface="Museo Sans 300"/>
-            </a:endParaRPr>
-          </a:p>
-        </p:txBody>
-      </p:sp>
-      <p:sp>
-        <p:nvSpPr>
-          <p:cNvPr id="11" name="TextBox 10"/>
-          <p:cNvSpPr txBox="1"/>
-          <p:nvPr/>
-        </p:nvSpPr>
-        <p:spPr>
-          <a:xfrm>
-            <a:off x="683794" y="3879978"/>
-            <a:ext cx="2210938" cy="923330"/>
-          </a:xfrm>
-          <a:prstGeom prst="rect">
-            <a:avLst/>
-          </a:prstGeom>
-          <a:noFill/>
-        </p:spPr>
-        <p:txBody>
-          <a:bodyPr wrap="none" rtlCol="0">
-            <a:spAutoFit/>
-          </a:bodyPr>
-          <a:lstStyle/>
-          <a:p>
-            <a:r>
-              <a:rPr lang="en-US" sz="5400" b="1" dirty="0" err="1" smtClean="0">
-                <a:ln w="12700">
-                  <a:solidFill>
-                    <a:schemeClr val="tx2">
-                      <a:satMod val="155000"/>
-                    </a:schemeClr>
-                  </a:solidFill>
-                  <a:prstDash val="solid"/>
-                </a:ln>
+          <a:p>
+            <a:r>
+              <a:rPr lang="en-US" sz="1400" dirty="0" err="1" smtClean="0">
+                <a:solidFill>
+                  <a:schemeClr val="bg1"/>
+                </a:solidFill>
+              </a:rPr>
+              <a:t>PlanetDefense</a:t>
+            </a:r>
+            <a:r>
+              <a:rPr lang="en-US" sz="1400" dirty="0" smtClean="0">
+                <a:solidFill>
+                  <a:schemeClr val="bg1"/>
+                </a:solidFill>
+              </a:rPr>
+              <a:t>::Player</a:t>
+            </a:r>
+          </a:p>
+          <a:p>
+            <a:r>
+              <a:rPr lang="en-US" sz="1400" dirty="0" smtClean="0">
+                <a:solidFill>
+                  <a:srgbClr val="00FF00"/>
+                </a:solidFill>
+              </a:rPr>
+              <a:t>  should respond to #draw</a:t>
+            </a:r>
+          </a:p>
+          <a:p>
+            <a:r>
+              <a:rPr lang="en-US" sz="1400" dirty="0" smtClean="0">
+                <a:solidFill>
+                  <a:srgbClr val="00FF00"/>
+                </a:solidFill>
+              </a:rPr>
+              <a:t>  should collide with asteroids</a:t>
+            </a:r>
+          </a:p>
+          <a:p>
+            <a:r>
+              <a:rPr lang="en-US" sz="1400" dirty="0" smtClean="0">
                 <a:solidFill>
                   <a:srgbClr val="FF0000"/>
                 </a:solidFill>
-                <a:effectLst>
-                  <a:outerShdw blurRad="41275" dist="20320" dir="1800000" algn="tl" rotWithShape="0">
-                    <a:srgbClr val="000000">
-                      <a:alpha val="40000"/>
-                    </a:srgbClr>
-                  </a:outerShdw>
-                </a:effectLst>
-                <a:latin typeface="Museo Sans 500"/>
-                <a:cs typeface="Museo Sans 500"/>
-              </a:rPr>
-              <a:t>RSpec</a:t>
-            </a:r>
-            <a:endParaRPr lang="en-US" sz="5400" b="1" dirty="0">
-              <a:ln w="12700">
-                <a:solidFill>
-                  <a:schemeClr val="tx2">
-                    <a:satMod val="155000"/>
-                  </a:schemeClr>
-                </a:solidFill>
-                <a:prstDash val="solid"/>
-              </a:ln>
+              </a:rPr>
+              <a:t>  should shoot lasers (FAILED - 1)</a:t>
+            </a:r>
+          </a:p>
+          <a:p>
+            <a:r>
+              <a:rPr lang="en-US" sz="1400" dirty="0" smtClean="0">
+                <a:solidFill>
+                  <a:schemeClr val="bg1"/>
+                </a:solidFill>
+              </a:rPr>
+              <a:t>  when initialized</a:t>
+            </a:r>
+          </a:p>
+          <a:p>
+            <a:r>
+              <a:rPr lang="en-US" sz="1400" dirty="0" smtClean="0">
+                <a:solidFill>
+                  <a:srgbClr val="00FF00"/>
+                </a:solidFill>
+              </a:rPr>
+              <a:t>    should be at bottom middle of screen</a:t>
+            </a:r>
+          </a:p>
+          <a:p>
+            <a:r>
+              <a:rPr lang="en-US" sz="1400" dirty="0" smtClean="0">
+                <a:solidFill>
+                  <a:schemeClr val="bg1"/>
+                </a:solidFill>
+              </a:rPr>
+              <a:t>  when playing</a:t>
+            </a:r>
+          </a:p>
+          <a:p>
+            <a:r>
+              <a:rPr lang="en-US" sz="1400" dirty="0" smtClean="0">
+                <a:solidFill>
+                  <a:schemeClr val="bg1"/>
+                </a:solidFill>
+              </a:rPr>
+              <a:t>  </a:t>
+            </a:r>
+            <a:r>
+              <a:rPr lang="en-US" sz="1400" dirty="0" smtClean="0">
+                <a:solidFill>
+                  <a:srgbClr val="00FF00"/>
+                </a:solidFill>
+              </a:rPr>
+              <a:t>  should move left across the screen on command</a:t>
+            </a:r>
+          </a:p>
+          <a:p>
+            <a:r>
+              <a:rPr lang="en-US" sz="1400" dirty="0" smtClean="0">
+                <a:solidFill>
+                  <a:srgbClr val="00FF00"/>
+                </a:solidFill>
+              </a:rPr>
+              <a:t>    should move right across the screen on command</a:t>
+            </a:r>
+          </a:p>
+          <a:p>
+            <a:r>
+              <a:rPr lang="en-US" sz="1400" dirty="0" smtClean="0">
+                <a:solidFill>
+                  <a:srgbClr val="00FF00"/>
+                </a:solidFill>
+              </a:rPr>
+              <a:t>    should move up the screen on command</a:t>
+            </a:r>
+          </a:p>
+          <a:p>
+            <a:r>
+              <a:rPr lang="en-US" sz="1400" dirty="0" smtClean="0">
+                <a:solidFill>
+                  <a:srgbClr val="00FF00"/>
+                </a:solidFill>
+              </a:rPr>
+              <a:t>    should move down the screen on command</a:t>
+            </a:r>
+          </a:p>
+          <a:p>
+            <a:r>
+              <a:rPr lang="en-US" sz="1400" dirty="0" smtClean="0">
+                <a:solidFill>
+                  <a:srgbClr val="00FF00"/>
+                </a:solidFill>
+              </a:rPr>
+              <a:t>    should not exceed the left boundary</a:t>
+            </a:r>
+          </a:p>
+          <a:p>
+            <a:r>
+              <a:rPr lang="en-US" sz="1400" dirty="0" smtClean="0">
+                <a:solidFill>
+                  <a:srgbClr val="00FF00"/>
+                </a:solidFill>
+              </a:rPr>
+              <a:t>    should not exceed the right boundary</a:t>
+            </a:r>
+          </a:p>
+          <a:p>
+            <a:r>
+              <a:rPr lang="en-US" sz="1400" dirty="0" smtClean="0">
+                <a:solidFill>
+                  <a:srgbClr val="00FF00"/>
+                </a:solidFill>
+              </a:rPr>
+              <a:t>    should not exceed the top boundary</a:t>
+            </a:r>
+          </a:p>
+          <a:p>
+            <a:r>
+              <a:rPr lang="en-US" sz="1400" dirty="0" smtClean="0">
+                <a:solidFill>
+                  <a:srgbClr val="00FF00"/>
+                </a:solidFill>
+              </a:rPr>
+              <a:t>    should not exceed the bottom boundary</a:t>
+            </a:r>
+          </a:p>
+          <a:p>
+            <a:r>
+              <a:rPr lang="en-US" sz="1400" dirty="0" smtClean="0">
+                <a:solidFill>
+                  <a:srgbClr val="00FF00"/>
+                </a:solidFill>
+              </a:rPr>
+              <a:t>    should not exceed player max velocities</a:t>
+            </a:r>
+          </a:p>
+          <a:p>
+            <a:endParaRPr lang="en-US" sz="1400" dirty="0" smtClean="0">
               <a:solidFill>
-                <a:srgbClr val="FF0000"/>
+                <a:schemeClr val="bg1"/>
               </a:solidFill>
-              <a:effectLst>
-                <a:outerShdw blurRad="41275" dist="20320" dir="1800000" algn="tl" rotWithShape="0">
-                  <a:srgbClr val="000000">
-                    <a:alpha val="40000"/>
-                  </a:srgbClr>
-                </a:outerShdw>
-              </a:effectLst>
-              <a:latin typeface="Museo Sans 500"/>
-              <a:cs typeface="Museo Sans 500"/>
             </a:endParaRPr>
           </a:p>
         </p:txBody>
@@ -5451,7 +6125,7 @@
     </p:spTree>
     <p:extLst>
       <p:ext uri="{BB962C8B-B14F-4D97-AF65-F5344CB8AC3E}">
-        <p14:creationId xmlns:p14="http://schemas.microsoft.com/office/powerpoint/2010/main" val="2245379040"/>
+        <p14:creationId xmlns:p14="http://schemas.microsoft.com/office/powerpoint/2010/main" val="1050835206"/>
       </p:ext>
     </p:extLst>
   </p:cSld>
@@ -5480,6 +6154,286 @@
       </p:grpSpPr>
       <p:sp>
         <p:nvSpPr>
+          <p:cNvPr id="5" name="Rectangle 4"/>
+          <p:cNvSpPr/>
+          <p:nvPr/>
+        </p:nvSpPr>
+        <p:spPr>
+          <a:xfrm>
+            <a:off x="1060579" y="1158411"/>
+            <a:ext cx="6487110" cy="3558972"/>
+          </a:xfrm>
+          <a:prstGeom prst="rect">
+            <a:avLst/>
+          </a:prstGeom>
+          <a:solidFill>
+            <a:schemeClr val="tx1"/>
+          </a:solidFill>
+        </p:spPr>
+        <p:style>
+          <a:lnRef idx="1">
+            <a:schemeClr val="accent1"/>
+          </a:lnRef>
+          <a:fillRef idx="3">
+            <a:schemeClr val="accent1"/>
+          </a:fillRef>
+          <a:effectRef idx="2">
+            <a:schemeClr val="accent1"/>
+          </a:effectRef>
+          <a:fontRef idx="minor">
+            <a:schemeClr val="lt1"/>
+          </a:fontRef>
+        </p:style>
+        <p:txBody>
+          <a:bodyPr rtlCol="0" anchor="ctr"/>
+          <a:lstStyle/>
+          <a:p>
+            <a:pPr algn="ctr"/>
+            <a:endParaRPr lang="en-US"/>
+          </a:p>
+        </p:txBody>
+      </p:sp>
+      <p:sp>
+        <p:nvSpPr>
+          <p:cNvPr id="4" name="TextBox 3"/>
+          <p:cNvSpPr txBox="1"/>
+          <p:nvPr/>
+        </p:nvSpPr>
+        <p:spPr>
+          <a:xfrm>
+            <a:off x="1060579" y="1245035"/>
+            <a:ext cx="6487110" cy="3108544"/>
+          </a:xfrm>
+          <a:prstGeom prst="rect">
+            <a:avLst/>
+          </a:prstGeom>
+          <a:noFill/>
+        </p:spPr>
+        <p:txBody>
+          <a:bodyPr wrap="none" rtlCol="0">
+            <a:spAutoFit/>
+          </a:bodyPr>
+          <a:lstStyle/>
+          <a:p>
+            <a:r>
+              <a:rPr lang="en-US" sz="1400" dirty="0" smtClean="0">
+                <a:solidFill>
+                  <a:srgbClr val="FF0000"/>
+                </a:solidFill>
+              </a:rPr>
+              <a:t>Failures:</a:t>
+            </a:r>
+          </a:p>
+          <a:p>
+            <a:endParaRPr lang="en-US" sz="1400" dirty="0" smtClean="0">
+              <a:solidFill>
+                <a:srgbClr val="00FF00"/>
+              </a:solidFill>
+            </a:endParaRPr>
+          </a:p>
+          <a:p>
+            <a:r>
+              <a:rPr lang="en-US" sz="1400" dirty="0" smtClean="0">
+                <a:solidFill>
+                  <a:srgbClr val="00FF00"/>
+                </a:solidFill>
+              </a:rPr>
+              <a:t>  </a:t>
+            </a:r>
+            <a:r>
+              <a:rPr lang="en-US" sz="1400" dirty="0" smtClean="0">
+                <a:solidFill>
+                  <a:srgbClr val="FF0000"/>
+                </a:solidFill>
+              </a:rPr>
+              <a:t>1) </a:t>
+            </a:r>
+            <a:r>
+              <a:rPr lang="en-US" sz="1400" dirty="0" err="1" smtClean="0">
+                <a:solidFill>
+                  <a:srgbClr val="FF0000"/>
+                </a:solidFill>
+              </a:rPr>
+              <a:t>PlanetDefense</a:t>
+            </a:r>
+            <a:r>
+              <a:rPr lang="en-US" sz="1400" dirty="0" smtClean="0">
+                <a:solidFill>
+                  <a:srgbClr val="FF0000"/>
+                </a:solidFill>
+              </a:rPr>
+              <a:t>::Player should shoot lasers</a:t>
+            </a:r>
+          </a:p>
+          <a:p>
+            <a:r>
+              <a:rPr lang="en-US" sz="1400" dirty="0" smtClean="0">
+                <a:solidFill>
+                  <a:srgbClr val="FF0000"/>
+                </a:solidFill>
+              </a:rPr>
+              <a:t>     Failure/Error: </a:t>
+            </a:r>
+            <a:r>
+              <a:rPr lang="en-US" sz="1400" dirty="0" err="1" smtClean="0">
+                <a:solidFill>
+                  <a:srgbClr val="FF0000"/>
+                </a:solidFill>
+              </a:rPr>
+              <a:t>Laser.all.length.should</a:t>
+            </a:r>
+            <a:r>
+              <a:rPr lang="en-US" sz="1400" dirty="0" smtClean="0">
+                <a:solidFill>
+                  <a:srgbClr val="FF0000"/>
+                </a:solidFill>
+              </a:rPr>
+              <a:t> &gt; 0</a:t>
+            </a:r>
+          </a:p>
+          <a:p>
+            <a:r>
+              <a:rPr lang="en-US" sz="1400" dirty="0" smtClean="0">
+                <a:solidFill>
+                  <a:srgbClr val="FF0000"/>
+                </a:solidFill>
+              </a:rPr>
+              <a:t>       expected: &gt; 0</a:t>
+            </a:r>
+          </a:p>
+          <a:p>
+            <a:r>
+              <a:rPr lang="en-US" sz="1400" dirty="0" smtClean="0">
+                <a:solidFill>
+                  <a:srgbClr val="FF0000"/>
+                </a:solidFill>
+              </a:rPr>
+              <a:t>            got:   0</a:t>
+            </a:r>
+          </a:p>
+          <a:p>
+            <a:r>
+              <a:rPr lang="en-US" sz="1400" dirty="0" smtClean="0">
+                <a:solidFill>
+                  <a:srgbClr val="FF0000"/>
+                </a:solidFill>
+              </a:rPr>
+              <a:t>     # ./spec/lib/player_spec.rb:129:in `block (2 levels) in &lt;</a:t>
+            </a:r>
+            <a:r>
+              <a:rPr lang="en-US" sz="1400" dirty="0" err="1" smtClean="0">
+                <a:solidFill>
+                  <a:srgbClr val="FF0000"/>
+                </a:solidFill>
+              </a:rPr>
+              <a:t>module:PlanetDefense</a:t>
+            </a:r>
+            <a:r>
+              <a:rPr lang="en-US" sz="1400" dirty="0" smtClean="0">
+                <a:solidFill>
+                  <a:srgbClr val="FF0000"/>
+                </a:solidFill>
+              </a:rPr>
+              <a:t>&gt;'</a:t>
+            </a:r>
+          </a:p>
+          <a:p>
+            <a:endParaRPr lang="en-US" sz="1400" dirty="0">
+              <a:solidFill>
+                <a:srgbClr val="00FF00"/>
+              </a:solidFill>
+            </a:endParaRPr>
+          </a:p>
+          <a:p>
+            <a:r>
+              <a:rPr lang="en-US" sz="1400" dirty="0">
+                <a:solidFill>
+                  <a:schemeClr val="bg1"/>
+                </a:solidFill>
+              </a:rPr>
+              <a:t>Finished in 0.30494 seconds</a:t>
+            </a:r>
+          </a:p>
+          <a:p>
+            <a:r>
+              <a:rPr lang="en-US" sz="1400" dirty="0">
+                <a:solidFill>
+                  <a:srgbClr val="00FF00"/>
+                </a:solidFill>
+              </a:rPr>
+              <a:t>26 examples, </a:t>
+            </a:r>
+            <a:r>
+              <a:rPr lang="en-US" sz="1400" dirty="0">
+                <a:solidFill>
+                  <a:srgbClr val="FF0000"/>
+                </a:solidFill>
+              </a:rPr>
+              <a:t>1 failure</a:t>
+            </a:r>
+          </a:p>
+          <a:p>
+            <a:endParaRPr lang="en-US" sz="1400" dirty="0">
+              <a:solidFill>
+                <a:srgbClr val="00FF00"/>
+              </a:solidFill>
+            </a:endParaRPr>
+          </a:p>
+          <a:p>
+            <a:r>
+              <a:rPr lang="en-US" sz="1400" dirty="0">
+                <a:solidFill>
+                  <a:schemeClr val="bg1"/>
+                </a:solidFill>
+              </a:rPr>
+              <a:t>Failed examples:</a:t>
+            </a:r>
+          </a:p>
+          <a:p>
+            <a:endParaRPr lang="en-US" sz="1400" dirty="0">
+              <a:solidFill>
+                <a:srgbClr val="00FF00"/>
+              </a:solidFill>
+            </a:endParaRPr>
+          </a:p>
+          <a:p>
+            <a:r>
+              <a:rPr lang="en-US" sz="1400" dirty="0" err="1">
+                <a:solidFill>
+                  <a:srgbClr val="FF0000"/>
+                </a:solidFill>
+              </a:rPr>
+              <a:t>rspec</a:t>
+            </a:r>
+            <a:r>
+              <a:rPr lang="en-US" sz="1400" dirty="0">
+                <a:solidFill>
+                  <a:srgbClr val="FF0000"/>
+                </a:solidFill>
+              </a:rPr>
+              <a:t> ./spec/lib/player_spec.rb:127 # </a:t>
+            </a:r>
+            <a:r>
+              <a:rPr lang="en-US" sz="1400" dirty="0" err="1">
+                <a:solidFill>
+                  <a:srgbClr val="FF0000"/>
+                </a:solidFill>
+              </a:rPr>
+              <a:t>PlanetDefense</a:t>
+            </a:r>
+            <a:r>
+              <a:rPr lang="en-US" sz="1400" dirty="0">
+                <a:solidFill>
+                  <a:srgbClr val="FF0000"/>
+                </a:solidFill>
+              </a:rPr>
+              <a:t>::Player should shoot lasers</a:t>
+            </a:r>
+          </a:p>
+        </p:txBody>
+      </p:sp>
+      <p:sp>
+        <p:nvSpPr>
           <p:cNvPr id="2" name="Title 1"/>
           <p:cNvSpPr>
             <a:spLocks noGrp="1"/>
@@ -5498,7 +6452,7 @@
                 <a:latin typeface="Museo Sans 500"/>
                 <a:cs typeface="Museo Sans 500"/>
               </a:rPr>
-              <a:t>Release License: </a:t>
+              <a:t>Unit testing – Current FAILURES</a:t>
             </a:r>
             <a:endParaRPr lang="en-US" dirty="0">
               <a:latin typeface="Museo Sans 500"/>
@@ -5507,76 +6461,10 @@
           </a:p>
         </p:txBody>
       </p:sp>
-      <p:sp>
-        <p:nvSpPr>
-          <p:cNvPr id="3" name="Content Placeholder 2"/>
-          <p:cNvSpPr>
-            <a:spLocks noGrp="1"/>
-          </p:cNvSpPr>
-          <p:nvPr>
-            <p:ph idx="1"/>
-          </p:nvPr>
-        </p:nvSpPr>
-        <p:spPr/>
-        <p:txBody>
-          <a:bodyPr>
-            <a:normAutofit fontScale="77500" lnSpcReduction="20000"/>
-          </a:bodyPr>
-          <a:lstStyle/>
-          <a:p>
-            <a:pPr algn="just"/>
-            <a:r>
-              <a:rPr lang="en-US" dirty="0"/>
-              <a:t>The MIT License (MIT) Copyright (c) 2012</a:t>
-            </a:r>
-          </a:p>
-          <a:p>
-            <a:pPr algn="just"/>
-            <a:endParaRPr lang="en-US" dirty="0"/>
-          </a:p>
-          <a:p>
-            <a:pPr algn="just"/>
-            <a:r>
-              <a:rPr lang="en-US" dirty="0"/>
-              <a:t>Permission is hereby granted, free of charge, to any person obtaining a copy of this software and </a:t>
-            </a:r>
-            <a:r>
-              <a:rPr lang="en-US" dirty="0" smtClean="0"/>
-              <a:t>associated documentation </a:t>
-            </a:r>
-            <a:r>
-              <a:rPr lang="en-US" dirty="0"/>
-              <a:t>files (the "Software"), to deal in the Software without restriction, including without limitation the rights to use, copy, modify, merge, publish, distribute, sublicense, and/or sell copies of the Software, and to permit persons to whom the Software is furnished to do so, subject to the following conditions:</a:t>
-            </a:r>
-          </a:p>
-          <a:p>
-            <a:pPr algn="just"/>
-            <a:endParaRPr lang="en-US" dirty="0"/>
-          </a:p>
-          <a:p>
-            <a:pPr algn="just"/>
-            <a:r>
-              <a:rPr lang="en-US" dirty="0"/>
-              <a:t>The above copyright notice and this permission notice shall be included in all copies or substantial portions of the Software.</a:t>
-            </a:r>
-          </a:p>
-          <a:p>
-            <a:pPr algn="just"/>
-            <a:endParaRPr lang="en-US" dirty="0"/>
-          </a:p>
-          <a:p>
-            <a:pPr algn="just"/>
-            <a:r>
-              <a:rPr lang="en-US" dirty="0"/>
-              <a:t>THE SOFTWARE IS PROVIDED "AS IS", WITHOUT WARRANTY OF ANY KIND, EXPRESS OR IMPLIED, INCLUDING BUT NOT LIMITED TO THE WARRANTIES OF MERCHANTABILITY, FITNESS FOR A PARTICULAR PURPOSE AND NONINFRINGEMENT. IN NO EVENT SHALL THE AUTHORS OR COPYRIGHT HOLDERS BE LIABLE FOR ANY CLAIM, DAMAGES OR OTHER LIABILITY, WHETHER IN AN ACTION OF CONTRACT, TORT OR OTHERWISE, ARISING FROM, OUT OF OR IN CONNECTION WITH THE SOFTWARE OR THE USE OR OTHER DEALINGS IN THE SOFTWARE.</a:t>
-            </a:r>
-          </a:p>
-        </p:txBody>
-      </p:sp>
     </p:spTree>
     <p:extLst>
       <p:ext uri="{BB962C8B-B14F-4D97-AF65-F5344CB8AC3E}">
-        <p14:creationId xmlns:p14="http://schemas.microsoft.com/office/powerpoint/2010/main" val="1036922572"/>
+        <p14:creationId xmlns:p14="http://schemas.microsoft.com/office/powerpoint/2010/main" val="3522738734"/>
       </p:ext>
     </p:extLst>
   </p:cSld>
@@ -5620,155 +6508,110 @@
           <a:p>
             <a:r>
               <a:rPr lang="en-US" dirty="0" smtClean="0">
-                <a:latin typeface="Museo Sans 500"/>
-                <a:cs typeface="Museo Sans 500"/>
-              </a:rPr>
-              <a:t>Tasks for initial Alpha release:	</a:t>
-            </a:r>
-            <a:endParaRPr lang="en-US" dirty="0">
-              <a:latin typeface="Museo Sans 500"/>
-              <a:cs typeface="Museo Sans 500"/>
-            </a:endParaRPr>
-          </a:p>
-        </p:txBody>
-      </p:sp>
-      <p:sp>
-        <p:nvSpPr>
-          <p:cNvPr id="3" name="Content Placeholder 2"/>
-          <p:cNvSpPr>
-            <a:spLocks noGrp="1"/>
-          </p:cNvSpPr>
-          <p:nvPr>
-            <p:ph idx="1"/>
-          </p:nvPr>
-        </p:nvSpPr>
-        <p:spPr/>
-        <p:txBody>
-          <a:bodyPr/>
-          <a:lstStyle/>
-          <a:p>
-            <a:pPr marL="285750" indent="-285750">
-              <a:buFont typeface="Arial"/>
-              <a:buChar char="•"/>
-            </a:pPr>
-            <a:r>
-              <a:rPr lang="en-US" dirty="0" smtClean="0">
                 <a:latin typeface="Museo Sans 300"/>
                 <a:cs typeface="Museo Sans 300"/>
               </a:rPr>
-              <a:t>Admin</a:t>
-            </a:r>
-          </a:p>
-          <a:p>
-            <a:pPr lvl="2"/>
-            <a:r>
-              <a:rPr lang="en-US" dirty="0" smtClean="0">
-                <a:latin typeface="Museo Sans 300"/>
-                <a:cs typeface="Museo Sans 300"/>
-              </a:rPr>
-              <a:t>Ideate and document user stories for remainder of game development</a:t>
-            </a:r>
-          </a:p>
-          <a:p>
-            <a:pPr lvl="2"/>
-            <a:r>
-              <a:rPr lang="en-US" dirty="0" smtClean="0">
-                <a:latin typeface="Museo Sans 300"/>
-                <a:cs typeface="Museo Sans 300"/>
-              </a:rPr>
-              <a:t>Input stories into </a:t>
-            </a:r>
-            <a:r>
-              <a:rPr lang="en-US" dirty="0" err="1" smtClean="0">
-                <a:latin typeface="Museo Sans 300"/>
-                <a:cs typeface="Museo Sans 300"/>
-              </a:rPr>
-              <a:t>Github</a:t>
-            </a:r>
-            <a:r>
-              <a:rPr lang="en-US" dirty="0" smtClean="0">
-                <a:latin typeface="Museo Sans 300"/>
-                <a:cs typeface="Museo Sans 300"/>
-              </a:rPr>
-              <a:t> Issues and assign to milestones</a:t>
-            </a:r>
-          </a:p>
-          <a:p>
-            <a:pPr lvl="2"/>
-            <a:r>
-              <a:rPr lang="en-US" dirty="0" smtClean="0">
-                <a:latin typeface="Museo Sans 300"/>
-                <a:cs typeface="Museo Sans 300"/>
-              </a:rPr>
-              <a:t>Plan initial sprint</a:t>
-            </a:r>
-          </a:p>
-          <a:p>
-            <a:pPr marL="0" indent="0"/>
-            <a:endParaRPr lang="en-US" b="0" dirty="0">
+              <a:t>Unit testing – Coverage</a:t>
+            </a:r>
+            <a:endParaRPr lang="en-US" dirty="0">
               <a:latin typeface="Museo Sans 300"/>
               <a:cs typeface="Museo Sans 300"/>
             </a:endParaRPr>
           </a:p>
-          <a:p>
-            <a:pPr>
-              <a:buFont typeface="Arial"/>
-              <a:buChar char="•"/>
-            </a:pPr>
-            <a:r>
-              <a:rPr lang="en-US" dirty="0" smtClean="0">
+        </p:txBody>
+      </p:sp>
+      <p:sp>
+        <p:nvSpPr>
+          <p:cNvPr id="3" name="Rectangle 2"/>
+          <p:cNvSpPr/>
+          <p:nvPr/>
+        </p:nvSpPr>
+        <p:spPr>
+          <a:xfrm>
+            <a:off x="1307820" y="816703"/>
+            <a:ext cx="6338553" cy="584776"/>
+          </a:xfrm>
+          <a:prstGeom prst="rect">
+            <a:avLst/>
+          </a:prstGeom>
+        </p:spPr>
+        <p:txBody>
+          <a:bodyPr wrap="none">
+            <a:spAutoFit/>
+          </a:bodyPr>
+          <a:lstStyle/>
+          <a:p>
+            <a:r>
+              <a:rPr lang="en-US" sz="3200" dirty="0">
+                <a:solidFill>
+                  <a:srgbClr val="AC202C"/>
+                </a:solidFill>
                 <a:latin typeface="Museo Sans 300"/>
                 <a:cs typeface="Museo Sans 300"/>
               </a:rPr>
-              <a:t>Coding</a:t>
-            </a:r>
-          </a:p>
-          <a:p>
-            <a:pPr lvl="2"/>
-            <a:r>
-              <a:rPr lang="en-US" dirty="0" smtClean="0">
+              <a:t>64.81</a:t>
+            </a:r>
+            <a:r>
+              <a:rPr lang="en-US" sz="3200" dirty="0">
                 <a:latin typeface="Museo Sans 300"/>
                 <a:cs typeface="Museo Sans 300"/>
               </a:rPr>
-              <a:t>Game initializes</a:t>
-            </a:r>
-          </a:p>
-          <a:p>
-            <a:pPr lvl="2"/>
-            <a:r>
-              <a:rPr lang="en-US" dirty="0" smtClean="0">
+              <a:t>% covered at </a:t>
+            </a:r>
+            <a:r>
+              <a:rPr lang="en-US" sz="3200" dirty="0">
+                <a:solidFill>
+                  <a:srgbClr val="008000"/>
+                </a:solidFill>
                 <a:latin typeface="Museo Sans 300"/>
                 <a:cs typeface="Museo Sans 300"/>
               </a:rPr>
-              <a:t>Background image loads</a:t>
-            </a:r>
-          </a:p>
-          <a:p>
-            <a:pPr lvl="2"/>
-            <a:r>
-              <a:rPr lang="en-US" dirty="0" smtClean="0">
+              <a:t>33.22</a:t>
+            </a:r>
+            <a:r>
+              <a:rPr lang="en-US" sz="3200" dirty="0">
                 <a:latin typeface="Museo Sans 300"/>
                 <a:cs typeface="Museo Sans 300"/>
               </a:rPr>
-              <a:t>Ship loads</a:t>
-            </a:r>
-          </a:p>
-          <a:p>
-            <a:pPr lvl="2"/>
-            <a:r>
-              <a:rPr lang="en-US" dirty="0" smtClean="0">
-                <a:latin typeface="Museo Sans 300"/>
-                <a:cs typeface="Museo Sans 300"/>
-              </a:rPr>
-              <a:t>Ship inputs x and y movement on view</a:t>
-            </a:r>
-          </a:p>
-        </p:txBody>
-      </p:sp>
+              <a:t> hits/line</a:t>
+            </a:r>
+          </a:p>
+        </p:txBody>
+      </p:sp>
+      <p:pic>
+        <p:nvPicPr>
+          <p:cNvPr id="7" name="Picture 6" descr="coverage.jpg"/>
+          <p:cNvPicPr>
+            <a:picLocks noChangeAspect="1"/>
+          </p:cNvPicPr>
+          <p:nvPr/>
+        </p:nvPicPr>
+        <p:blipFill>
+          <a:blip r:embed="rId2">
+            <a:extLst>
+              <a:ext uri="{28A0092B-C50C-407E-A947-70E740481C1C}">
+                <a14:useLocalDpi xmlns:a14="http://schemas.microsoft.com/office/drawing/2010/main" val="0"/>
+              </a:ext>
+            </a:extLst>
+          </a:blip>
+          <a:stretch>
+            <a:fillRect/>
+          </a:stretch>
+        </p:blipFill>
+        <p:spPr>
+          <a:xfrm>
+            <a:off x="590368" y="1365412"/>
+            <a:ext cx="8039208" cy="3622953"/>
+          </a:xfrm>
+          <a:prstGeom prst="rect">
+            <a:avLst/>
+          </a:prstGeom>
+        </p:spPr>
+      </p:pic>
     </p:spTree>
     <p:extLst>
       <p:ext uri="{BB962C8B-B14F-4D97-AF65-F5344CB8AC3E}">
-        <p14:creationId xmlns:p14="http://schemas.microsoft.com/office/powerpoint/2010/main" val="3573889142"/>
+        <p14:creationId xmlns:p14="http://schemas.microsoft.com/office/powerpoint/2010/main" val="3833279152"/>
       </p:ext>
     </p:extLst>
   </p:cSld>
@@ -5812,144 +6655,48 @@
           <a:p>
             <a:r>
               <a:rPr lang="en-US" dirty="0" smtClean="0">
-                <a:latin typeface="Museo Sans 500"/>
-                <a:cs typeface="Museo Sans 500"/>
-              </a:rPr>
-              <a:t>Task Assignments</a:t>
-            </a:r>
-            <a:endParaRPr lang="en-US" dirty="0">
-              <a:latin typeface="Museo Sans 500"/>
-              <a:cs typeface="Museo Sans 500"/>
-            </a:endParaRPr>
-          </a:p>
-        </p:txBody>
-      </p:sp>
-      <p:sp>
-        <p:nvSpPr>
-          <p:cNvPr id="3" name="Content Placeholder 2"/>
-          <p:cNvSpPr>
-            <a:spLocks noGrp="1"/>
-          </p:cNvSpPr>
-          <p:nvPr>
-            <p:ph idx="1"/>
-          </p:nvPr>
-        </p:nvSpPr>
-        <p:spPr/>
-        <p:txBody>
-          <a:bodyPr/>
-          <a:lstStyle/>
-          <a:p>
-            <a:r>
-              <a:rPr lang="en-US" dirty="0" smtClean="0">
                 <a:latin typeface="Museo Sans 300"/>
                 <a:cs typeface="Museo Sans 300"/>
               </a:rPr>
-              <a:t>Initial assignments:</a:t>
-            </a:r>
-          </a:p>
-          <a:p>
-            <a:r>
-              <a:rPr lang="en-US" b="0" dirty="0" smtClean="0">
-                <a:latin typeface="Museo Sans 300"/>
-                <a:cs typeface="Museo Sans 300"/>
-              </a:rPr>
-              <a:t>	Denton: Wireframes and mockups</a:t>
-            </a:r>
-          </a:p>
-          <a:p>
-            <a:r>
-              <a:rPr lang="en-US" b="0" dirty="0" smtClean="0">
-                <a:latin typeface="Museo Sans 300"/>
-                <a:cs typeface="Museo Sans 300"/>
-              </a:rPr>
-              <a:t>	</a:t>
-            </a:r>
-            <a:r>
-              <a:rPr lang="en-US" b="0" dirty="0" err="1" smtClean="0">
-                <a:latin typeface="Museo Sans 300"/>
-                <a:cs typeface="Museo Sans 300"/>
-              </a:rPr>
-              <a:t>Addam</a:t>
-            </a:r>
-            <a:r>
-              <a:rPr lang="en-US" b="0" dirty="0" smtClean="0">
-                <a:latin typeface="Museo Sans 300"/>
-                <a:cs typeface="Museo Sans 300"/>
-              </a:rPr>
-              <a:t>/Michael: Coding tasks 1 &amp; 2 from previous slide</a:t>
-            </a:r>
-          </a:p>
-          <a:p>
-            <a:r>
-              <a:rPr lang="en-US" b="0" dirty="0" smtClean="0">
-                <a:latin typeface="Museo Sans 300"/>
-                <a:cs typeface="Museo Sans 300"/>
-              </a:rPr>
-              <a:t>	Denton/Bryan: Coding tasks 3 &amp; 4 from previous slide</a:t>
-            </a:r>
-          </a:p>
-          <a:p>
-            <a:endParaRPr lang="en-US" b="0" dirty="0">
-              <a:latin typeface="Museo Sans 300"/>
-              <a:cs typeface="Museo Sans 300"/>
-            </a:endParaRPr>
-          </a:p>
-          <a:p>
-            <a:pPr algn="ctr"/>
-            <a:r>
-              <a:rPr lang="en-US" dirty="0" smtClean="0">
-                <a:latin typeface="Museo Sans 300"/>
-                <a:cs typeface="Museo Sans 300"/>
-              </a:rPr>
-              <a:t>Further tasks &amp; user stories will be inputted and assigned in </a:t>
-            </a:r>
-            <a:r>
-              <a:rPr lang="en-US" dirty="0" err="1" smtClean="0">
-                <a:latin typeface="Museo Sans 300"/>
-                <a:cs typeface="Museo Sans 300"/>
-              </a:rPr>
-              <a:t>Github</a:t>
-            </a:r>
-            <a:r>
-              <a:rPr lang="en-US" dirty="0" smtClean="0">
-                <a:latin typeface="Museo Sans 300"/>
-                <a:cs typeface="Museo Sans 300"/>
-              </a:rPr>
-              <a:t> Issues.</a:t>
-            </a:r>
-          </a:p>
-          <a:p>
-            <a:pPr algn="ctr"/>
+              <a:t>Test Driven Development</a:t>
+            </a:r>
             <a:endParaRPr lang="en-US" dirty="0">
               <a:latin typeface="Museo Sans 300"/>
               <a:cs typeface="Museo Sans 300"/>
             </a:endParaRPr>
           </a:p>
-          <a:p>
-            <a:r>
-              <a:rPr lang="en-US" dirty="0" smtClean="0">
+        </p:txBody>
+      </p:sp>
+      <p:sp>
+        <p:nvSpPr>
+          <p:cNvPr id="4" name="TextBox 3"/>
+          <p:cNvSpPr txBox="1"/>
+          <p:nvPr/>
+        </p:nvSpPr>
+        <p:spPr>
+          <a:xfrm>
+            <a:off x="697749" y="1395675"/>
+            <a:ext cx="7646151" cy="830997"/>
+          </a:xfrm>
+          <a:prstGeom prst="rect">
+            <a:avLst/>
+          </a:prstGeom>
+          <a:noFill/>
+        </p:spPr>
+        <p:txBody>
+          <a:bodyPr wrap="square" rtlCol="0">
+            <a:spAutoFit/>
+          </a:bodyPr>
+          <a:lstStyle/>
+          <a:p>
+            <a:r>
+              <a:rPr lang="en-US" sz="4800" dirty="0" smtClean="0">
                 <a:latin typeface="Museo Sans 300"/>
                 <a:cs typeface="Museo Sans 300"/>
               </a:rPr>
-              <a:t>Time Frame: </a:t>
-            </a:r>
-          </a:p>
-          <a:p>
-            <a:r>
-              <a:rPr lang="en-US" dirty="0">
-                <a:latin typeface="Museo Sans 300"/>
-                <a:cs typeface="Museo Sans 300"/>
-              </a:rPr>
-              <a:t>	</a:t>
-            </a:r>
-            <a:r>
-              <a:rPr lang="en-US" b="0" dirty="0" smtClean="0">
-                <a:latin typeface="Museo Sans 300"/>
-                <a:cs typeface="Museo Sans 300"/>
-              </a:rPr>
-              <a:t>1 week per pair assignment</a:t>
-            </a:r>
-            <a:endParaRPr lang="en-US" dirty="0">
+              <a:t>Were we 100% test driven?</a:t>
+            </a:r>
+            <a:endParaRPr lang="en-US" sz="4800" dirty="0">
               <a:latin typeface="Museo Sans 300"/>
               <a:cs typeface="Museo Sans 300"/>
             </a:endParaRPr>
@@ -5959,7 +6706,7 @@
     </p:spTree>
     <p:extLst>
       <p:ext uri="{BB962C8B-B14F-4D97-AF65-F5344CB8AC3E}">
-        <p14:creationId xmlns:p14="http://schemas.microsoft.com/office/powerpoint/2010/main" val="465153192"/>
+        <p14:creationId xmlns:p14="http://schemas.microsoft.com/office/powerpoint/2010/main" val="1101736480"/>
       </p:ext>
     </p:extLst>
   </p:cSld>
@@ -6003,240 +6750,254 @@
           <a:p>
             <a:r>
               <a:rPr lang="en-US" dirty="0" smtClean="0">
-                <a:latin typeface="Museo Sans 500"/>
-                <a:cs typeface="Museo Sans 500"/>
-              </a:rPr>
-              <a:t>Meetings To Date:</a:t>
+                <a:latin typeface="Museo Sans 300"/>
+                <a:cs typeface="Museo Sans 300"/>
+              </a:rPr>
+              <a:t>Test Driven Development</a:t>
             </a:r>
             <a:endParaRPr lang="en-US" dirty="0">
-              <a:latin typeface="Museo Sans 500"/>
-              <a:cs typeface="Museo Sans 500"/>
+              <a:latin typeface="Museo Sans 300"/>
+              <a:cs typeface="Museo Sans 300"/>
             </a:endParaRPr>
           </a:p>
         </p:txBody>
       </p:sp>
-      <p:graphicFrame>
-        <p:nvGraphicFramePr>
-          <p:cNvPr id="4" name="Content Placeholder 3"/>
-          <p:cNvGraphicFramePr>
-            <a:graphicFrameLocks noGrp="1"/>
-          </p:cNvGraphicFramePr>
-          <p:nvPr>
-            <p:ph idx="1"/>
-            <p:extLst>
-              <p:ext uri="{D42A27DB-BD31-4B8C-83A1-F6EECF244321}">
-                <p14:modId xmlns:p14="http://schemas.microsoft.com/office/powerpoint/2010/main" val="1061903563"/>
-              </p:ext>
-            </p:extLst>
-          </p:nvPr>
-        </p:nvGraphicFramePr>
-        <p:xfrm>
-          <a:off x="822324" y="2049196"/>
-          <a:ext cx="7521576" cy="1719128"/>
-        </p:xfrm>
-        <a:graphic>
-          <a:graphicData uri="http://schemas.openxmlformats.org/drawingml/2006/table">
-            <a:tbl>
-              <a:tblPr firstRow="1" bandRow="1">
-                <a:tableStyleId>{5C22544A-7EE6-4342-B048-85BDC9FD1C3A}</a:tableStyleId>
-              </a:tblPr>
-              <a:tblGrid>
-                <a:gridCol w="2507192"/>
-                <a:gridCol w="2507192"/>
-                <a:gridCol w="2507192"/>
-              </a:tblGrid>
-              <a:tr h="429782">
-                <a:tc>
-                  <a:txBody>
-                    <a:bodyPr/>
-                    <a:lstStyle/>
-                    <a:p>
-                      <a:r>
-                        <a:rPr lang="en-US" dirty="0" smtClean="0"/>
-                        <a:t>Date</a:t>
-                      </a:r>
-                      <a:endParaRPr lang="en-US" dirty="0"/>
-                    </a:p>
-                  </a:txBody>
-                  <a:tcPr/>
-                </a:tc>
-                <a:tc>
-                  <a:txBody>
-                    <a:bodyPr/>
-                    <a:lstStyle/>
-                    <a:p>
-                      <a:r>
-                        <a:rPr lang="en-US" dirty="0" smtClean="0"/>
-                        <a:t>Mode</a:t>
-                      </a:r>
-                      <a:endParaRPr lang="en-US" dirty="0"/>
-                    </a:p>
-                  </a:txBody>
-                  <a:tcPr/>
-                </a:tc>
-                <a:tc>
-                  <a:txBody>
-                    <a:bodyPr/>
-                    <a:lstStyle/>
-                    <a:p>
-                      <a:r>
-                        <a:rPr lang="en-US" dirty="0" smtClean="0"/>
-                        <a:t>Attended</a:t>
-                      </a:r>
-                      <a:endParaRPr lang="en-US" dirty="0"/>
-                    </a:p>
-                  </a:txBody>
-                  <a:tcPr/>
-                </a:tc>
-              </a:tr>
-              <a:tr h="429782">
-                <a:tc>
-                  <a:txBody>
-                    <a:bodyPr/>
-                    <a:lstStyle/>
-                    <a:p>
-                      <a:r>
-                        <a:rPr lang="en-US" dirty="0" smtClean="0"/>
-                        <a:t>Tuesday, 24</a:t>
-                      </a:r>
-                      <a:r>
-                        <a:rPr lang="en-US" baseline="0" dirty="0" smtClean="0"/>
-                        <a:t> Jan 12</a:t>
-                      </a:r>
-                      <a:endParaRPr lang="en-US" dirty="0"/>
-                    </a:p>
-                  </a:txBody>
-                  <a:tcPr/>
-                </a:tc>
-                <a:tc>
-                  <a:txBody>
-                    <a:bodyPr/>
-                    <a:lstStyle/>
-                    <a:p>
-                      <a:r>
-                        <a:rPr lang="en-US" dirty="0" smtClean="0"/>
-                        <a:t>In person</a:t>
-                      </a:r>
-                      <a:endParaRPr lang="en-US" dirty="0"/>
-                    </a:p>
-                  </a:txBody>
-                  <a:tcPr/>
-                </a:tc>
-                <a:tc>
-                  <a:txBody>
-                    <a:bodyPr/>
-                    <a:lstStyle/>
-                    <a:p>
-                      <a:r>
-                        <a:rPr lang="en-US" dirty="0" smtClean="0"/>
-                        <a:t>Entire Team</a:t>
-                      </a:r>
-                      <a:endParaRPr lang="en-US" dirty="0"/>
-                    </a:p>
-                  </a:txBody>
-                  <a:tcPr/>
-                </a:tc>
-              </a:tr>
-              <a:tr h="429782">
-                <a:tc>
-                  <a:txBody>
-                    <a:bodyPr/>
-                    <a:lstStyle/>
-                    <a:p>
-                      <a:r>
-                        <a:rPr lang="en-US" dirty="0" smtClean="0"/>
-                        <a:t>Thursday, 26 Jan 12</a:t>
-                      </a:r>
-                      <a:endParaRPr lang="en-US" dirty="0"/>
-                    </a:p>
-                  </a:txBody>
-                  <a:tcPr/>
-                </a:tc>
-                <a:tc>
-                  <a:txBody>
-                    <a:bodyPr/>
-                    <a:lstStyle/>
-                    <a:p>
-                      <a:r>
-                        <a:rPr lang="en-US" dirty="0" smtClean="0"/>
-                        <a:t>In person</a:t>
-                      </a:r>
-                      <a:endParaRPr lang="en-US" dirty="0"/>
-                    </a:p>
-                  </a:txBody>
-                  <a:tcPr/>
-                </a:tc>
-                <a:tc>
-                  <a:txBody>
-                    <a:bodyPr/>
-                    <a:lstStyle/>
-                    <a:p>
-                      <a:r>
-                        <a:rPr lang="en-US" dirty="0" smtClean="0"/>
-                        <a:t>Entire Team</a:t>
-                      </a:r>
-                      <a:endParaRPr lang="en-US" dirty="0"/>
-                    </a:p>
-                  </a:txBody>
-                  <a:tcPr/>
-                </a:tc>
-              </a:tr>
-              <a:tr h="429782">
-                <a:tc>
-                  <a:txBody>
-                    <a:bodyPr/>
-                    <a:lstStyle/>
-                    <a:p>
-                      <a:r>
-                        <a:rPr lang="en-US" dirty="0" smtClean="0"/>
-                        <a:t>Saturday,</a:t>
-                      </a:r>
-                      <a:r>
-                        <a:rPr lang="en-US" baseline="0" dirty="0" smtClean="0"/>
-                        <a:t> 28 Jan 12</a:t>
-                      </a:r>
-                      <a:endParaRPr lang="en-US" dirty="0"/>
-                    </a:p>
-                  </a:txBody>
-                  <a:tcPr/>
-                </a:tc>
-                <a:tc>
-                  <a:txBody>
-                    <a:bodyPr/>
-                    <a:lstStyle/>
-                    <a:p>
-                      <a:r>
-                        <a:rPr lang="en-US" dirty="0" err="1" smtClean="0"/>
-                        <a:t>GoogleTalk</a:t>
-                      </a:r>
-                      <a:endParaRPr lang="en-US" dirty="0"/>
-                    </a:p>
-                  </a:txBody>
-                  <a:tcPr/>
-                </a:tc>
-                <a:tc>
-                  <a:txBody>
-                    <a:bodyPr/>
-                    <a:lstStyle/>
-                    <a:p>
-                      <a:r>
-                        <a:rPr lang="en-US" dirty="0" smtClean="0"/>
-                        <a:t>Entire Team</a:t>
-                      </a:r>
-                      <a:endParaRPr lang="en-US" dirty="0"/>
-                    </a:p>
-                  </a:txBody>
-                  <a:tcPr/>
-                </a:tc>
-              </a:tr>
-            </a:tbl>
-          </a:graphicData>
-        </a:graphic>
-      </p:graphicFrame>
+      <p:sp>
+        <p:nvSpPr>
+          <p:cNvPr id="4" name="TextBox 3"/>
+          <p:cNvSpPr txBox="1"/>
+          <p:nvPr/>
+        </p:nvSpPr>
+        <p:spPr>
+          <a:xfrm>
+            <a:off x="697749" y="1395675"/>
+            <a:ext cx="7646151" cy="830997"/>
+          </a:xfrm>
+          <a:prstGeom prst="rect">
+            <a:avLst/>
+          </a:prstGeom>
+          <a:noFill/>
+        </p:spPr>
+        <p:txBody>
+          <a:bodyPr wrap="square" rtlCol="0">
+            <a:spAutoFit/>
+          </a:bodyPr>
+          <a:lstStyle/>
+          <a:p>
+            <a:r>
+              <a:rPr lang="en-US" sz="4800" dirty="0" smtClean="0">
+                <a:latin typeface="Museo Sans 300"/>
+                <a:cs typeface="Museo Sans 300"/>
+              </a:rPr>
+              <a:t>Were we 100% test driven?</a:t>
+            </a:r>
+            <a:endParaRPr lang="en-US" sz="4800" dirty="0">
+              <a:latin typeface="Museo Sans 300"/>
+              <a:cs typeface="Museo Sans 300"/>
+            </a:endParaRPr>
+          </a:p>
+        </p:txBody>
+      </p:sp>
+      <p:sp>
+        <p:nvSpPr>
+          <p:cNvPr id="3" name="TextBox 2"/>
+          <p:cNvSpPr txBox="1"/>
+          <p:nvPr/>
+        </p:nvSpPr>
+        <p:spPr>
+          <a:xfrm>
+            <a:off x="3195691" y="2498233"/>
+            <a:ext cx="2246752" cy="1200329"/>
+          </a:xfrm>
+          <a:prstGeom prst="rect">
+            <a:avLst/>
+          </a:prstGeom>
+          <a:noFill/>
+        </p:spPr>
+        <p:txBody>
+          <a:bodyPr wrap="square" rtlCol="0">
+            <a:spAutoFit/>
+          </a:bodyPr>
+          <a:lstStyle/>
+          <a:p>
+            <a:r>
+              <a:rPr lang="en-US" sz="7200" b="1" dirty="0" smtClean="0">
+                <a:solidFill>
+                  <a:srgbClr val="FF0000"/>
+                </a:solidFill>
+                <a:latin typeface="Museo Sans 300"/>
+                <a:cs typeface="Museo Sans 300"/>
+              </a:rPr>
+              <a:t>No :(</a:t>
+            </a:r>
+            <a:endParaRPr lang="en-US" sz="7200" b="1" dirty="0">
+              <a:solidFill>
+                <a:srgbClr val="FF0000"/>
+              </a:solidFill>
+              <a:latin typeface="Museo Sans 300"/>
+              <a:cs typeface="Museo Sans 300"/>
+            </a:endParaRPr>
+          </a:p>
+        </p:txBody>
+      </p:sp>
+      <p:sp>
+        <p:nvSpPr>
+          <p:cNvPr id="5" name="TextBox 4"/>
+          <p:cNvSpPr txBox="1"/>
+          <p:nvPr/>
+        </p:nvSpPr>
+        <p:spPr>
+          <a:xfrm>
+            <a:off x="4381864" y="3468775"/>
+            <a:ext cx="1479892" cy="369332"/>
+          </a:xfrm>
+          <a:prstGeom prst="rect">
+            <a:avLst/>
+          </a:prstGeom>
+          <a:noFill/>
+        </p:spPr>
+        <p:txBody>
+          <a:bodyPr wrap="none" rtlCol="0">
+            <a:spAutoFit/>
+          </a:bodyPr>
+          <a:lstStyle/>
+          <a:p>
+            <a:r>
+              <a:rPr lang="en-US" dirty="0" smtClean="0">
+                <a:latin typeface="Museo Sans 300"/>
+                <a:cs typeface="Museo Sans 300"/>
+              </a:rPr>
+              <a:t>But we tried</a:t>
+            </a:r>
+            <a:endParaRPr lang="en-US" dirty="0">
+              <a:latin typeface="Museo Sans 300"/>
+              <a:cs typeface="Museo Sans 300"/>
+            </a:endParaRPr>
+          </a:p>
+        </p:txBody>
+      </p:sp>
     </p:spTree>
     <p:extLst>
       <p:ext uri="{BB962C8B-B14F-4D97-AF65-F5344CB8AC3E}">
-        <p14:creationId xmlns:p14="http://schemas.microsoft.com/office/powerpoint/2010/main" val="2991964524"/>
+        <p14:creationId xmlns:p14="http://schemas.microsoft.com/office/powerpoint/2010/main" val="4003116073"/>
+      </p:ext>
+    </p:extLst>
+  </p:cSld>
+  <p:clrMapOvr>
+    <a:masterClrMapping/>
+  </p:clrMapOvr>
+</p:sld>
+</file>
+
+<file path=ppt/slides/slide9.xml><?xml version="1.0" encoding="utf-8"?>
+<p:sld xmlns:a="http://schemas.openxmlformats.org/drawingml/2006/main" xmlns:r="http://schemas.openxmlformats.org/officeDocument/2006/relationships" xmlns:p="http://schemas.openxmlformats.org/presentationml/2006/main">
+  <p:cSld>
+    <p:spTree>
+      <p:nvGrpSpPr>
+        <p:cNvPr id="1" name=""/>
+        <p:cNvGrpSpPr/>
+        <p:nvPr/>
+      </p:nvGrpSpPr>
+      <p:grpSpPr>
+        <a:xfrm>
+          <a:off x="0" y="0"/>
+          <a:ext cx="0" cy="0"/>
+          <a:chOff x="0" y="0"/>
+          <a:chExt cx="0" cy="0"/>
+        </a:xfrm>
+      </p:grpSpPr>
+      <p:sp>
+        <p:nvSpPr>
+          <p:cNvPr id="2" name="Title 1"/>
+          <p:cNvSpPr>
+            <a:spLocks noGrp="1"/>
+          </p:cNvSpPr>
+          <p:nvPr>
+            <p:ph type="title"/>
+          </p:nvPr>
+        </p:nvSpPr>
+        <p:spPr/>
+        <p:txBody>
+          <a:bodyPr/>
+          <a:lstStyle/>
+          <a:p>
+            <a:r>
+              <a:rPr lang="en-US" dirty="0" smtClean="0">
+                <a:latin typeface="Museo Sans 300"/>
+                <a:cs typeface="Museo Sans 300"/>
+              </a:rPr>
+              <a:t>Unit </a:t>
+            </a:r>
+            <a:r>
+              <a:rPr lang="en-US" dirty="0" smtClean="0">
+                <a:latin typeface="Museo Sans 300"/>
+                <a:cs typeface="Museo Sans 300"/>
+              </a:rPr>
+              <a:t>testing</a:t>
+            </a:r>
+            <a:endParaRPr lang="en-US" dirty="0">
+              <a:latin typeface="Museo Sans 300"/>
+              <a:cs typeface="Museo Sans 300"/>
+            </a:endParaRPr>
+          </a:p>
+        </p:txBody>
+      </p:sp>
+      <p:sp>
+        <p:nvSpPr>
+          <p:cNvPr id="3" name="Rectangle 2"/>
+          <p:cNvSpPr/>
+          <p:nvPr/>
+        </p:nvSpPr>
+        <p:spPr>
+          <a:xfrm>
+            <a:off x="416870" y="1822003"/>
+            <a:ext cx="8069900" cy="1015663"/>
+          </a:xfrm>
+          <a:prstGeom prst="rect">
+            <a:avLst/>
+          </a:prstGeom>
+        </p:spPr>
+        <p:txBody>
+          <a:bodyPr wrap="none">
+            <a:spAutoFit/>
+          </a:bodyPr>
+          <a:lstStyle/>
+          <a:p>
+            <a:pPr algn="ctr"/>
+            <a:r>
+              <a:rPr lang="en-US" sz="6000" dirty="0" smtClean="0">
+                <a:solidFill>
+                  <a:srgbClr val="008000"/>
+                </a:solidFill>
+                <a:latin typeface="Museo Sans 300"/>
+                <a:cs typeface="Museo Sans 300"/>
+              </a:rPr>
+              <a:t>Show specs on </a:t>
+            </a:r>
+            <a:r>
+              <a:rPr lang="en-US" sz="6000" dirty="0" err="1" smtClean="0">
+                <a:solidFill>
+                  <a:srgbClr val="008000"/>
+                </a:solidFill>
+                <a:latin typeface="Museo Sans 300"/>
+                <a:cs typeface="Museo Sans 300"/>
+              </a:rPr>
+              <a:t>Github</a:t>
+            </a:r>
+            <a:endParaRPr lang="en-US" sz="6000" dirty="0">
+              <a:solidFill>
+                <a:srgbClr val="008000"/>
+              </a:solidFill>
+              <a:latin typeface="Museo Sans 300"/>
+              <a:cs typeface="Museo Sans 300"/>
+            </a:endParaRPr>
+          </a:p>
+        </p:txBody>
+      </p:sp>
+    </p:spTree>
+    <p:extLst>
+      <p:ext uri="{BB962C8B-B14F-4D97-AF65-F5344CB8AC3E}">
+        <p14:creationId xmlns:p14="http://schemas.microsoft.com/office/powerpoint/2010/main" val="1586275071"/>
       </p:ext>
     </p:extLst>
   </p:cSld>
